--- a/courses/Data Server_v0.5_Zach.pptx
+++ b/courses/Data Server_v0.5_Zach.pptx
@@ -161,7 +161,7 @@
   </p:defaultTextStyle>
   <p:extLst>
     <p:ext uri="{EFAFB233-063F-42B5-8137-9DF3F51BA10A}">
-      <p15:sldGuideLst xmlns:p15="http://schemas.microsoft.com/office/powerpoint/2012/main" xmlns="">
+      <p15:sldGuideLst xmlns="" xmlns:p15="http://schemas.microsoft.com/office/powerpoint/2012/main">
         <p15:guide id="1" orient="horz" pos="1620">
           <p15:clr>
             <a:srgbClr val="A4A3A4"/>
@@ -175,7 +175,7 @@
       </p15:sldGuideLst>
     </p:ext>
     <p:ext uri="{2D200454-40CA-4A62-9FC3-DE9A4176ACB9}">
-      <p15:notesGuideLst xmlns:p15="http://schemas.microsoft.com/office/powerpoint/2012/main" xmlns="">
+      <p15:notesGuideLst xmlns="" xmlns:p15="http://schemas.microsoft.com/office/powerpoint/2012/main">
         <p15:guide id="1" orient="horz" pos="3223">
           <p15:clr>
             <a:srgbClr val="A4A3A4"/>
@@ -1045,7 +1045,7 @@
           <p:cNvPr id="109570" name="Rectangle 2">
             <a:extLst>
               <a:ext uri="{FF2B5EF4-FFF2-40B4-BE49-F238E27FC236}">
-                <a16:creationId xmlns:a16="http://schemas.microsoft.com/office/drawing/2014/main" xmlns="" id="{F66ADEB7-C71D-4A2A-AE37-F2408BE12F81}"/>
+                <a16:creationId xmlns="" xmlns:a16="http://schemas.microsoft.com/office/drawing/2014/main" id="{F66ADEB7-C71D-4A2A-AE37-F2408BE12F81}"/>
               </a:ext>
             </a:extLst>
           </p:cNvPr>
@@ -1099,7 +1099,7 @@
           <p:cNvPr id="109571" name="Rectangle 3">
             <a:extLst>
               <a:ext uri="{FF2B5EF4-FFF2-40B4-BE49-F238E27FC236}">
-                <a16:creationId xmlns:a16="http://schemas.microsoft.com/office/drawing/2014/main" xmlns="" id="{970CDE8E-2E9F-4100-8398-5D1A886A3C33}"/>
+                <a16:creationId xmlns="" xmlns:a16="http://schemas.microsoft.com/office/drawing/2014/main" id="{970CDE8E-2E9F-4100-8398-5D1A886A3C33}"/>
               </a:ext>
             </a:extLst>
           </p:cNvPr>
@@ -1153,7 +1153,7 @@
           <p:cNvPr id="109572" name="Rectangle 4">
             <a:extLst>
               <a:ext uri="{FF2B5EF4-FFF2-40B4-BE49-F238E27FC236}">
-                <a16:creationId xmlns:a16="http://schemas.microsoft.com/office/drawing/2014/main" xmlns="" id="{908C6474-D420-4814-9446-74C3139BA9B7}"/>
+                <a16:creationId xmlns="" xmlns:a16="http://schemas.microsoft.com/office/drawing/2014/main" id="{908C6474-D420-4814-9446-74C3139BA9B7}"/>
               </a:ext>
             </a:extLst>
           </p:cNvPr>
@@ -1207,7 +1207,7 @@
           <p:cNvPr id="109573" name="Rectangle 5">
             <a:extLst>
               <a:ext uri="{FF2B5EF4-FFF2-40B4-BE49-F238E27FC236}">
-                <a16:creationId xmlns:a16="http://schemas.microsoft.com/office/drawing/2014/main" xmlns="" id="{2E02C72D-C593-4272-B34F-C1D21BB764EB}"/>
+                <a16:creationId xmlns="" xmlns:a16="http://schemas.microsoft.com/office/drawing/2014/main" id="{2E02C72D-C593-4272-B34F-C1D21BB764EB}"/>
               </a:ext>
             </a:extLst>
           </p:cNvPr>
@@ -1302,7 +1302,7 @@
           <p:cNvPr id="19458" name="Rectangle 2">
             <a:extLst>
               <a:ext uri="{FF2B5EF4-FFF2-40B4-BE49-F238E27FC236}">
-                <a16:creationId xmlns:a16="http://schemas.microsoft.com/office/drawing/2014/main" xmlns="" id="{B534727B-D584-40B3-ABBC-EFE9F65959C4}"/>
+                <a16:creationId xmlns="" xmlns:a16="http://schemas.microsoft.com/office/drawing/2014/main" id="{B534727B-D584-40B3-ABBC-EFE9F65959C4}"/>
               </a:ext>
             </a:extLst>
           </p:cNvPr>
@@ -1356,7 +1356,7 @@
           <p:cNvPr id="19459" name="Rectangle 3">
             <a:extLst>
               <a:ext uri="{FF2B5EF4-FFF2-40B4-BE49-F238E27FC236}">
-                <a16:creationId xmlns:a16="http://schemas.microsoft.com/office/drawing/2014/main" xmlns="" id="{60B24573-A0AA-4EF3-80B3-2BA88C58C0E5}"/>
+                <a16:creationId xmlns="" xmlns:a16="http://schemas.microsoft.com/office/drawing/2014/main" id="{60B24573-A0AA-4EF3-80B3-2BA88C58C0E5}"/>
               </a:ext>
             </a:extLst>
           </p:cNvPr>
@@ -1410,7 +1410,7 @@
           <p:cNvPr id="14340" name="Rectangle 4">
             <a:extLst>
               <a:ext uri="{FF2B5EF4-FFF2-40B4-BE49-F238E27FC236}">
-                <a16:creationId xmlns:a16="http://schemas.microsoft.com/office/drawing/2014/main" xmlns="" id="{461BB6AB-5790-4A31-ADFF-509FCC81F27C}"/>
+                <a16:creationId xmlns="" xmlns:a16="http://schemas.microsoft.com/office/drawing/2014/main" id="{461BB6AB-5790-4A31-ADFF-509FCC81F27C}"/>
               </a:ext>
             </a:extLst>
           </p:cNvPr>
@@ -1454,7 +1454,7 @@
           <p:cNvPr id="19461" name="Rectangle 5">
             <a:extLst>
               <a:ext uri="{FF2B5EF4-FFF2-40B4-BE49-F238E27FC236}">
-                <a16:creationId xmlns:a16="http://schemas.microsoft.com/office/drawing/2014/main" xmlns="" id="{EDBBF793-6E66-4764-A51A-AB086147545B}"/>
+                <a16:creationId xmlns="" xmlns:a16="http://schemas.microsoft.com/office/drawing/2014/main" id="{EDBBF793-6E66-4764-A51A-AB086147545B}"/>
               </a:ext>
             </a:extLst>
           </p:cNvPr>
@@ -1531,7 +1531,7 @@
           <p:cNvPr id="19462" name="Rectangle 6">
             <a:extLst>
               <a:ext uri="{FF2B5EF4-FFF2-40B4-BE49-F238E27FC236}">
-                <a16:creationId xmlns:a16="http://schemas.microsoft.com/office/drawing/2014/main" xmlns="" id="{8088CA22-91FC-4B05-B4B3-E1941887CCD1}"/>
+                <a16:creationId xmlns="" xmlns:a16="http://schemas.microsoft.com/office/drawing/2014/main" id="{8088CA22-91FC-4B05-B4B3-E1941887CCD1}"/>
               </a:ext>
             </a:extLst>
           </p:cNvPr>
@@ -1585,7 +1585,7 @@
           <p:cNvPr id="19463" name="Rectangle 7">
             <a:extLst>
               <a:ext uri="{FF2B5EF4-FFF2-40B4-BE49-F238E27FC236}">
-                <a16:creationId xmlns:a16="http://schemas.microsoft.com/office/drawing/2014/main" xmlns="" id="{E1AB954F-8570-48DA-85A8-7E8060C3A16B}"/>
+                <a16:creationId xmlns="" xmlns:a16="http://schemas.microsoft.com/office/drawing/2014/main" id="{E1AB954F-8570-48DA-85A8-7E8060C3A16B}"/>
               </a:ext>
             </a:extLst>
           </p:cNvPr>
@@ -1794,7 +1794,7 @@
           <p:cNvPr id="17410" name="Rectangle 7">
             <a:extLst>
               <a:ext uri="{FF2B5EF4-FFF2-40B4-BE49-F238E27FC236}">
-                <a16:creationId xmlns:a16="http://schemas.microsoft.com/office/drawing/2014/main" xmlns="" id="{8C25F377-F30D-4578-9541-BACF99834607}"/>
+                <a16:creationId xmlns="" xmlns:a16="http://schemas.microsoft.com/office/drawing/2014/main" id="{8C25F377-F30D-4578-9541-BACF99834607}"/>
               </a:ext>
             </a:extLst>
           </p:cNvPr>
@@ -1980,7 +1980,7 @@
           <p:cNvPr id="17411" name="Rectangle 2">
             <a:extLst>
               <a:ext uri="{FF2B5EF4-FFF2-40B4-BE49-F238E27FC236}">
-                <a16:creationId xmlns:a16="http://schemas.microsoft.com/office/drawing/2014/main" xmlns="" id="{FF9306D6-8984-4893-81A9-4DA5443880D3}"/>
+                <a16:creationId xmlns="" xmlns:a16="http://schemas.microsoft.com/office/drawing/2014/main" id="{FF9306D6-8984-4893-81A9-4DA5443880D3}"/>
               </a:ext>
             </a:extLst>
           </p:cNvPr>
@@ -2000,7 +2000,7 @@
           <p:cNvPr id="17412" name="Rectangle 3">
             <a:extLst>
               <a:ext uri="{FF2B5EF4-FFF2-40B4-BE49-F238E27FC236}">
-                <a16:creationId xmlns:a16="http://schemas.microsoft.com/office/drawing/2014/main" xmlns="" id="{1D51EF7D-C609-4C22-9877-C5BF5CEC2377}"/>
+                <a16:creationId xmlns="" xmlns:a16="http://schemas.microsoft.com/office/drawing/2014/main" id="{1D51EF7D-C609-4C22-9877-C5BF5CEC2377}"/>
               </a:ext>
             </a:extLst>
           </p:cNvPr>
@@ -3789,7 +3789,7 @@
           <p:cNvPr id="4" name="圖片 1">
             <a:extLst>
               <a:ext uri="{FF2B5EF4-FFF2-40B4-BE49-F238E27FC236}">
-                <a16:creationId xmlns:a16="http://schemas.microsoft.com/office/drawing/2014/main" xmlns="" id="{5100C303-35D1-4BD7-A49E-0155CBC5B328}"/>
+                <a16:creationId xmlns="" xmlns:a16="http://schemas.microsoft.com/office/drawing/2014/main" id="{5100C303-35D1-4BD7-A49E-0155CBC5B328}"/>
               </a:ext>
             </a:extLst>
           </p:cNvPr>
@@ -3962,7 +3962,7 @@
           <p:cNvPr id="3" name="圖片 1">
             <a:extLst>
               <a:ext uri="{FF2B5EF4-FFF2-40B4-BE49-F238E27FC236}">
-                <a16:creationId xmlns:a16="http://schemas.microsoft.com/office/drawing/2014/main" xmlns="" id="{DCC891AB-8D64-41BF-9EAB-9BA14373ADDA}"/>
+                <a16:creationId xmlns="" xmlns:a16="http://schemas.microsoft.com/office/drawing/2014/main" id="{DCC891AB-8D64-41BF-9EAB-9BA14373ADDA}"/>
               </a:ext>
             </a:extLst>
           </p:cNvPr>
@@ -4074,7 +4074,7 @@
           <p:cNvPr id="2" name="圖片 7">
             <a:extLst>
               <a:ext uri="{FF2B5EF4-FFF2-40B4-BE49-F238E27FC236}">
-                <a16:creationId xmlns:a16="http://schemas.microsoft.com/office/drawing/2014/main" xmlns="" id="{A10E8D99-7434-4CDD-A243-E2CF3A4E121B}"/>
+                <a16:creationId xmlns="" xmlns:a16="http://schemas.microsoft.com/office/drawing/2014/main" id="{A10E8D99-7434-4CDD-A243-E2CF3A4E121B}"/>
               </a:ext>
             </a:extLst>
           </p:cNvPr>
@@ -4238,7 +4238,7 @@
           <p:cNvPr id="4" name="圖片 1">
             <a:extLst>
               <a:ext uri="{FF2B5EF4-FFF2-40B4-BE49-F238E27FC236}">
-                <a16:creationId xmlns:a16="http://schemas.microsoft.com/office/drawing/2014/main" xmlns="" id="{929FA03C-DA11-40C5-A300-F7BA86165A18}"/>
+                <a16:creationId xmlns="" xmlns:a16="http://schemas.microsoft.com/office/drawing/2014/main" id="{929FA03C-DA11-40C5-A300-F7BA86165A18}"/>
               </a:ext>
             </a:extLst>
           </p:cNvPr>
@@ -4518,7 +4518,7 @@
           <p:cNvPr id="5" name="圖片 1">
             <a:extLst>
               <a:ext uri="{FF2B5EF4-FFF2-40B4-BE49-F238E27FC236}">
-                <a16:creationId xmlns:a16="http://schemas.microsoft.com/office/drawing/2014/main" xmlns="" id="{FE7252CD-07A3-42AA-B7D1-BF8DBAD9E692}"/>
+                <a16:creationId xmlns="" xmlns:a16="http://schemas.microsoft.com/office/drawing/2014/main" id="{FE7252CD-07A3-42AA-B7D1-BF8DBAD9E692}"/>
               </a:ext>
             </a:extLst>
           </p:cNvPr>
@@ -4937,7 +4937,7 @@
           <p:cNvPr id="7" name="圖片 1">
             <a:extLst>
               <a:ext uri="{FF2B5EF4-FFF2-40B4-BE49-F238E27FC236}">
-                <a16:creationId xmlns:a16="http://schemas.microsoft.com/office/drawing/2014/main" xmlns="" id="{867B2013-D430-4B1F-BEEA-2C52647EA733}"/>
+                <a16:creationId xmlns="" xmlns:a16="http://schemas.microsoft.com/office/drawing/2014/main" id="{867B2013-D430-4B1F-BEEA-2C52647EA733}"/>
               </a:ext>
             </a:extLst>
           </p:cNvPr>
@@ -5049,7 +5049,7 @@
           <p:cNvPr id="3" name="圖片 1">
             <a:extLst>
               <a:ext uri="{FF2B5EF4-FFF2-40B4-BE49-F238E27FC236}">
-                <a16:creationId xmlns:a16="http://schemas.microsoft.com/office/drawing/2014/main" xmlns="" id="{C14B7BE8-D3F3-4E7C-8600-D0BC913582B6}"/>
+                <a16:creationId xmlns="" xmlns:a16="http://schemas.microsoft.com/office/drawing/2014/main" id="{C14B7BE8-D3F3-4E7C-8600-D0BC913582B6}"/>
               </a:ext>
             </a:extLst>
           </p:cNvPr>
@@ -5452,7 +5452,7 @@
           <p:cNvPr id="4" name="圖片 1">
             <a:extLst>
               <a:ext uri="{FF2B5EF4-FFF2-40B4-BE49-F238E27FC236}">
-                <a16:creationId xmlns:a16="http://schemas.microsoft.com/office/drawing/2014/main" xmlns="" id="{929FA03C-DA11-40C5-A300-F7BA86165A18}"/>
+                <a16:creationId xmlns="" xmlns:a16="http://schemas.microsoft.com/office/drawing/2014/main" id="{929FA03C-DA11-40C5-A300-F7BA86165A18}"/>
               </a:ext>
             </a:extLst>
           </p:cNvPr>
@@ -5629,7 +5629,7 @@
           <p:cNvPr id="5" name="圖片 1">
             <a:extLst>
               <a:ext uri="{FF2B5EF4-FFF2-40B4-BE49-F238E27FC236}">
-                <a16:creationId xmlns:a16="http://schemas.microsoft.com/office/drawing/2014/main" xmlns="" id="{FE7252CD-07A3-42AA-B7D1-BF8DBAD9E692}"/>
+                <a16:creationId xmlns="" xmlns:a16="http://schemas.microsoft.com/office/drawing/2014/main" id="{FE7252CD-07A3-42AA-B7D1-BF8DBAD9E692}"/>
               </a:ext>
             </a:extLst>
           </p:cNvPr>
@@ -5915,7 +5915,7 @@
           <p:cNvPr id="7" name="圖片 1">
             <a:extLst>
               <a:ext uri="{FF2B5EF4-FFF2-40B4-BE49-F238E27FC236}">
-                <a16:creationId xmlns:a16="http://schemas.microsoft.com/office/drawing/2014/main" xmlns="" id="{867B2013-D430-4B1F-BEEA-2C52647EA733}"/>
+                <a16:creationId xmlns="" xmlns:a16="http://schemas.microsoft.com/office/drawing/2014/main" id="{867B2013-D430-4B1F-BEEA-2C52647EA733}"/>
               </a:ext>
             </a:extLst>
           </p:cNvPr>
@@ -6329,7 +6329,7 @@
           <p:cNvPr id="3" name="圖片 1">
             <a:extLst>
               <a:ext uri="{FF2B5EF4-FFF2-40B4-BE49-F238E27FC236}">
-                <a16:creationId xmlns:a16="http://schemas.microsoft.com/office/drawing/2014/main" xmlns="" id="{C14B7BE8-D3F3-4E7C-8600-D0BC913582B6}"/>
+                <a16:creationId xmlns="" xmlns:a16="http://schemas.microsoft.com/office/drawing/2014/main" id="{C14B7BE8-D3F3-4E7C-8600-D0BC913582B6}"/>
               </a:ext>
             </a:extLst>
           </p:cNvPr>
@@ -6471,7 +6471,7 @@
           <p:cNvPr id="5" name="圖片 1">
             <a:extLst>
               <a:ext uri="{FF2B5EF4-FFF2-40B4-BE49-F238E27FC236}">
-                <a16:creationId xmlns:a16="http://schemas.microsoft.com/office/drawing/2014/main" xmlns="" id="{9F17A4E5-5506-44DA-8098-25819D845A5F}"/>
+                <a16:creationId xmlns="" xmlns:a16="http://schemas.microsoft.com/office/drawing/2014/main" id="{9F17A4E5-5506-44DA-8098-25819D845A5F}"/>
               </a:ext>
             </a:extLst>
           </p:cNvPr>
@@ -6741,7 +6741,7 @@
           <p:cNvPr id="5" name="圖片 1">
             <a:extLst>
               <a:ext uri="{FF2B5EF4-FFF2-40B4-BE49-F238E27FC236}">
-                <a16:creationId xmlns:a16="http://schemas.microsoft.com/office/drawing/2014/main" xmlns="" id="{4B83B23B-AD2A-4710-AE0D-A89029B7DAA0}"/>
+                <a16:creationId xmlns="" xmlns:a16="http://schemas.microsoft.com/office/drawing/2014/main" id="{4B83B23B-AD2A-4710-AE0D-A89029B7DAA0}"/>
               </a:ext>
             </a:extLst>
           </p:cNvPr>
@@ -6991,7 +6991,7 @@
           <p:cNvPr id="4" name="圖片 1">
             <a:extLst>
               <a:ext uri="{FF2B5EF4-FFF2-40B4-BE49-F238E27FC236}">
-                <a16:creationId xmlns:a16="http://schemas.microsoft.com/office/drawing/2014/main" xmlns="" id="{5C75D1AC-D7DB-4CE1-9CE7-7EF22BCDFACE}"/>
+                <a16:creationId xmlns="" xmlns:a16="http://schemas.microsoft.com/office/drawing/2014/main" id="{5C75D1AC-D7DB-4CE1-9CE7-7EF22BCDFACE}"/>
               </a:ext>
             </a:extLst>
           </p:cNvPr>
@@ -7162,7 +7162,7 @@
           <p:cNvPr id="1026" name="圖片 7">
             <a:extLst>
               <a:ext uri="{FF2B5EF4-FFF2-40B4-BE49-F238E27FC236}">
-                <a16:creationId xmlns:a16="http://schemas.microsoft.com/office/drawing/2014/main" xmlns="" id="{43A0FC1D-80B7-49BA-85AE-D4FD8D0B332C}"/>
+                <a16:creationId xmlns="" xmlns:a16="http://schemas.microsoft.com/office/drawing/2014/main" id="{43A0FC1D-80B7-49BA-85AE-D4FD8D0B332C}"/>
               </a:ext>
             </a:extLst>
           </p:cNvPr>
@@ -7222,7 +7222,7 @@
           <p:cNvPr id="1027" name="標題版面配置區 1">
             <a:extLst>
               <a:ext uri="{FF2B5EF4-FFF2-40B4-BE49-F238E27FC236}">
-                <a16:creationId xmlns:a16="http://schemas.microsoft.com/office/drawing/2014/main" xmlns="" id="{128E434A-57CF-414A-92B7-A886F4C59E58}"/>
+                <a16:creationId xmlns="" xmlns:a16="http://schemas.microsoft.com/office/drawing/2014/main" id="{128E434A-57CF-414A-92B7-A886F4C59E58}"/>
               </a:ext>
             </a:extLst>
           </p:cNvPr>
@@ -7286,7 +7286,7 @@
           <p:cNvPr id="1028" name="文字版面配置區 2">
             <a:extLst>
               <a:ext uri="{FF2B5EF4-FFF2-40B4-BE49-F238E27FC236}">
-                <a16:creationId xmlns:a16="http://schemas.microsoft.com/office/drawing/2014/main" xmlns="" id="{20EBB4B1-D9E5-4D8B-ACB8-FBC36A52CADE}"/>
+                <a16:creationId xmlns="" xmlns:a16="http://schemas.microsoft.com/office/drawing/2014/main" id="{20EBB4B1-D9E5-4D8B-ACB8-FBC36A52CADE}"/>
               </a:ext>
             </a:extLst>
           </p:cNvPr>
@@ -7378,7 +7378,7 @@
           <p:cNvPr id="4" name="日期版面配置區 3">
             <a:extLst>
               <a:ext uri="{FF2B5EF4-FFF2-40B4-BE49-F238E27FC236}">
-                <a16:creationId xmlns:a16="http://schemas.microsoft.com/office/drawing/2014/main" xmlns="" id="{51E9782F-C3EE-45FC-AF46-D927870F5E94}"/>
+                <a16:creationId xmlns="" xmlns:a16="http://schemas.microsoft.com/office/drawing/2014/main" id="{51E9782F-C3EE-45FC-AF46-D927870F5E94}"/>
               </a:ext>
             </a:extLst>
           </p:cNvPr>
@@ -7421,7 +7421,7 @@
               <a:pPr>
                 <a:defRPr/>
               </a:pPr>
-              <a:t>2019/7/2</a:t>
+              <a:t>2019/7/10</a:t>
             </a:fld>
             <a:endParaRPr lang="zh-TW" altLang="en-US"/>
           </a:p>
@@ -7432,7 +7432,7 @@
           <p:cNvPr id="5" name="頁尾版面配置區 4">
             <a:extLst>
               <a:ext uri="{FF2B5EF4-FFF2-40B4-BE49-F238E27FC236}">
-                <a16:creationId xmlns:a16="http://schemas.microsoft.com/office/drawing/2014/main" xmlns="" id="{1465C54E-4356-427D-8964-71BC036FEFC4}"/>
+                <a16:creationId xmlns="" xmlns:a16="http://schemas.microsoft.com/office/drawing/2014/main" id="{1465C54E-4356-427D-8964-71BC036FEFC4}"/>
               </a:ext>
             </a:extLst>
           </p:cNvPr>
@@ -7479,7 +7479,7 @@
           <p:cNvPr id="6" name="投影片編號版面配置區 5">
             <a:extLst>
               <a:ext uri="{FF2B5EF4-FFF2-40B4-BE49-F238E27FC236}">
-                <a16:creationId xmlns:a16="http://schemas.microsoft.com/office/drawing/2014/main" xmlns="" id="{99C188EA-AF60-41B6-B17E-C10E7AA1DF1C}"/>
+                <a16:creationId xmlns="" xmlns:a16="http://schemas.microsoft.com/office/drawing/2014/main" id="{99C188EA-AF60-41B6-B17E-C10E7AA1DF1C}"/>
               </a:ext>
             </a:extLst>
           </p:cNvPr>
@@ -8116,7 +8116,7 @@
           <p:cNvPr id="4" name="圖片 7">
             <a:extLst>
               <a:ext uri="{FF2B5EF4-FFF2-40B4-BE49-F238E27FC236}">
-                <a16:creationId xmlns:a16="http://schemas.microsoft.com/office/drawing/2014/main" xmlns="" id="{43A0FC1D-80B7-49BA-85AE-D4FD8D0B332C}"/>
+                <a16:creationId xmlns="" xmlns:a16="http://schemas.microsoft.com/office/drawing/2014/main" id="{43A0FC1D-80B7-49BA-85AE-D4FD8D0B332C}"/>
               </a:ext>
             </a:extLst>
           </p:cNvPr>
@@ -8665,7 +8665,7 @@
           <p:cNvPr id="3" name="副標題 2">
             <a:extLst>
               <a:ext uri="{FF2B5EF4-FFF2-40B4-BE49-F238E27FC236}">
-                <a16:creationId xmlns:a16="http://schemas.microsoft.com/office/drawing/2014/main" xmlns="" id="{F3F9AE84-D7B0-4AC9-A986-E81E188CFAD7}"/>
+                <a16:creationId xmlns="" xmlns:a16="http://schemas.microsoft.com/office/drawing/2014/main" id="{F3F9AE84-D7B0-4AC9-A986-E81E188CFAD7}"/>
               </a:ext>
             </a:extLst>
           </p:cNvPr>
@@ -8705,7 +8705,7 @@
           <p:cNvPr id="4" name="Rectangle 3">
             <a:extLst>
               <a:ext uri="{FF2B5EF4-FFF2-40B4-BE49-F238E27FC236}">
-                <a16:creationId xmlns:a16="http://schemas.microsoft.com/office/drawing/2014/main" xmlns="" id="{3794C834-714D-42FC-931B-8FE04ADE49AB}"/>
+                <a16:creationId xmlns="" xmlns:a16="http://schemas.microsoft.com/office/drawing/2014/main" id="{3794C834-714D-42FC-931B-8FE04ADE49AB}"/>
               </a:ext>
             </a:extLst>
           </p:cNvPr>
@@ -9642,7 +9642,7 @@
           <p:cNvPr id="3" name="標題 2">
             <a:extLst>
               <a:ext uri="{FF2B5EF4-FFF2-40B4-BE49-F238E27FC236}">
-                <a16:creationId xmlns:a16="http://schemas.microsoft.com/office/drawing/2014/main" xmlns="" id="{4227DAF2-B84E-4FC9-B97B-13637DBD8058}"/>
+                <a16:creationId xmlns="" xmlns:a16="http://schemas.microsoft.com/office/drawing/2014/main" id="{4227DAF2-B84E-4FC9-B97B-13637DBD8058}"/>
               </a:ext>
             </a:extLst>
           </p:cNvPr>
@@ -9687,7 +9687,7 @@
           <p:cNvPr id="7" name="圖片 6">
             <a:extLst>
               <a:ext uri="{FF2B5EF4-FFF2-40B4-BE49-F238E27FC236}">
-                <a16:creationId xmlns:a16="http://schemas.microsoft.com/office/drawing/2014/main" xmlns="" id="{38E3C2CF-9349-432C-953B-53184EC1FA99}"/>
+                <a16:creationId xmlns="" xmlns:a16="http://schemas.microsoft.com/office/drawing/2014/main" id="{38E3C2CF-9349-432C-953B-53184EC1FA99}"/>
               </a:ext>
             </a:extLst>
           </p:cNvPr>
@@ -10737,7 +10737,7 @@
           <p:cNvPr id="27" name="圖片 1" descr="https://advcloudfiles.advantech.com/wise-paas-marketplace/Logo/logo_DeviceOn.png">
             <a:extLst>
               <a:ext uri="{FF2B5EF4-FFF2-40B4-BE49-F238E27FC236}">
-                <a16:creationId xmlns="" xmlns:a16="http://schemas.microsoft.com/office/drawing/2014/main" id="{6C19CC9D-DB80-47A5-BEFD-8C7525233041}"/>
+                <a16:creationId xmlns:a16="http://schemas.microsoft.com/office/drawing/2014/main" xmlns="" id="{6C19CC9D-DB80-47A5-BEFD-8C7525233041}"/>
               </a:ext>
             </a:extLst>
           </p:cNvPr>
@@ -11170,7 +11170,7 @@
           <p:cNvPr id="3" name="標題 2">
             <a:extLst>
               <a:ext uri="{FF2B5EF4-FFF2-40B4-BE49-F238E27FC236}">
-                <a16:creationId xmlns:a16="http://schemas.microsoft.com/office/drawing/2014/main" xmlns="" id="{4227DAF2-B84E-4FC9-B97B-13637DBD8058}"/>
+                <a16:creationId xmlns="" xmlns:a16="http://schemas.microsoft.com/office/drawing/2014/main" id="{4227DAF2-B84E-4FC9-B97B-13637DBD8058}"/>
               </a:ext>
             </a:extLst>
           </p:cNvPr>
@@ -11211,7 +11211,7 @@
           <p:cNvPr id="2" name="表格 1">
             <a:extLst>
               <a:ext uri="{FF2B5EF4-FFF2-40B4-BE49-F238E27FC236}">
-                <a16:creationId xmlns:a16="http://schemas.microsoft.com/office/drawing/2014/main" xmlns="" id="{4D6AEDAD-FA33-4F39-AFB8-25AB25E0C260}"/>
+                <a16:creationId xmlns="" xmlns:a16="http://schemas.microsoft.com/office/drawing/2014/main" id="{4D6AEDAD-FA33-4F39-AFB8-25AB25E0C260}"/>
               </a:ext>
             </a:extLst>
           </p:cNvPr>
@@ -11221,14 +11221,14 @@
           <p:nvPr>
             <p:extLst>
               <p:ext uri="{D42A27DB-BD31-4B8C-83A1-F6EECF244321}">
-                <p14:modId xmlns:p14="http://schemas.microsoft.com/office/powerpoint/2010/main" val="2310603956"/>
+                <p14:modId xmlns:p14="http://schemas.microsoft.com/office/powerpoint/2010/main" val="1533830051"/>
               </p:ext>
             </p:extLst>
           </p:nvPr>
         </p:nvGraphicFramePr>
         <p:xfrm>
-          <a:off x="4519468" y="755374"/>
-          <a:ext cx="4441825" cy="3991551"/>
+          <a:off x="4452793" y="610018"/>
+          <a:ext cx="4529283" cy="4276306"/>
         </p:xfrm>
         <a:graphic>
           <a:graphicData uri="http://schemas.openxmlformats.org/drawingml/2006/table">
@@ -11237,36 +11237,36 @@
                 <a:tableStyleId>{6E25E649-3F16-4E02-A733-19D2CDBF48F0}</a:tableStyleId>
               </a:tblPr>
               <a:tblGrid>
-                <a:gridCol w="1348079">
+                <a:gridCol w="1509857">
                   <a:extLst>
                     <a:ext uri="{9D8B030D-6E8A-4147-A177-3AD203B41FA5}">
-                      <a16:colId xmlns:a16="http://schemas.microsoft.com/office/drawing/2014/main" xmlns="" val="2770439234"/>
+                      <a16:colId xmlns="" xmlns:a16="http://schemas.microsoft.com/office/drawing/2014/main" val="2770439234"/>
                     </a:ext>
                   </a:extLst>
                 </a:gridCol>
-                <a:gridCol w="872834">
+                <a:gridCol w="1390650">
                   <a:extLst>
                     <a:ext uri="{9D8B030D-6E8A-4147-A177-3AD203B41FA5}">
-                      <a16:colId xmlns:a16="http://schemas.microsoft.com/office/drawing/2014/main" xmlns="" val="59100135"/>
+                      <a16:colId xmlns="" xmlns:a16="http://schemas.microsoft.com/office/drawing/2014/main" val="59100135"/>
                     </a:ext>
                   </a:extLst>
                 </a:gridCol>
-                <a:gridCol w="962291">
+                <a:gridCol w="857250">
                   <a:extLst>
                     <a:ext uri="{9D8B030D-6E8A-4147-A177-3AD203B41FA5}">
-                      <a16:colId xmlns:a16="http://schemas.microsoft.com/office/drawing/2014/main" xmlns="" val="2875971456"/>
+                      <a16:colId xmlns="" xmlns:a16="http://schemas.microsoft.com/office/drawing/2014/main" val="2875971456"/>
                     </a:ext>
                   </a:extLst>
                 </a:gridCol>
-                <a:gridCol w="1258621">
+                <a:gridCol w="771526">
                   <a:extLst>
                     <a:ext uri="{9D8B030D-6E8A-4147-A177-3AD203B41FA5}">
-                      <a16:colId xmlns:a16="http://schemas.microsoft.com/office/drawing/2014/main" xmlns="" val="1804162338"/>
+                      <a16:colId xmlns="" xmlns:a16="http://schemas.microsoft.com/office/drawing/2014/main" val="1804162338"/>
                     </a:ext>
                   </a:extLst>
                 </a:gridCol>
               </a:tblGrid>
-              <a:tr h="469595">
+              <a:tr h="487137">
                 <a:tc>
                   <a:txBody>
                     <a:bodyPr/>
@@ -11352,11 +11352,11 @@
                 </a:tc>
                 <a:extLst>
                   <a:ext uri="{0D108BD9-81ED-4DB2-BD59-A6C34878D82A}">
-                    <a16:rowId xmlns:a16="http://schemas.microsoft.com/office/drawing/2014/main" xmlns="" val="469968404"/>
+                    <a16:rowId xmlns="" xmlns:a16="http://schemas.microsoft.com/office/drawing/2014/main" val="469968404"/>
                   </a:ext>
                 </a:extLst>
               </a:tr>
-              <a:tr h="286974">
+              <a:tr h="244927">
                 <a:tc>
                   <a:txBody>
                     <a:bodyPr/>
@@ -11415,11 +11415,11 @@
                 </a:tc>
                 <a:extLst>
                   <a:ext uri="{0D108BD9-81ED-4DB2-BD59-A6C34878D82A}">
-                    <a16:rowId xmlns:a16="http://schemas.microsoft.com/office/drawing/2014/main" xmlns="" val="1906958081"/>
+                    <a16:rowId xmlns="" xmlns:a16="http://schemas.microsoft.com/office/drawing/2014/main" val="1906958081"/>
                   </a:ext>
                 </a:extLst>
               </a:tr>
-              <a:tr h="286974">
+              <a:tr h="244927">
                 <a:tc>
                   <a:txBody>
                     <a:bodyPr/>
@@ -11428,7 +11428,11 @@
                       <a:pPr algn="l"/>
                       <a:r>
                         <a:rPr lang="en-US" altLang="zh-TW" sz="1000" dirty="0"/>
-                        <a:t>Persistent Volume</a:t>
+                        <a:t>Persistent </a:t>
+                      </a:r>
+                      <a:r>
+                        <a:rPr lang="en-US" altLang="zh-TW" sz="1000" dirty="0" smtClean="0"/>
+                        <a:t>Storage</a:t>
                       </a:r>
                       <a:endParaRPr lang="zh-TW" altLang="en-US" sz="1000" dirty="0"/>
                     </a:p>
@@ -11458,7 +11462,11 @@
                       <a:pPr algn="l"/>
                       <a:r>
                         <a:rPr lang="en-US" altLang="zh-TW" sz="1000" dirty="0"/>
-                        <a:t>3G</a:t>
+                        <a:t>2</a:t>
+                      </a:r>
+                      <a:r>
+                        <a:rPr lang="en-US" altLang="zh-TW" sz="1000" dirty="0" smtClean="0"/>
+                        <a:t>G</a:t>
                       </a:r>
                       <a:endParaRPr lang="zh-TW" altLang="en-US" sz="1000" dirty="0"/>
                     </a:p>
@@ -11478,11 +11486,69 @@
                 </a:tc>
                 <a:extLst>
                   <a:ext uri="{0D108BD9-81ED-4DB2-BD59-A6C34878D82A}">
-                    <a16:rowId xmlns:a16="http://schemas.microsoft.com/office/drawing/2014/main" xmlns="" val="2888471196"/>
+                    <a16:rowId xmlns="" xmlns:a16="http://schemas.microsoft.com/office/drawing/2014/main" val="2888471196"/>
                   </a:ext>
                 </a:extLst>
               </a:tr>
-              <a:tr h="286974">
+              <a:tr h="244927">
+                <a:tc>
+                  <a:txBody>
+                    <a:bodyPr/>
+                    <a:lstStyle/>
+                    <a:p>
+                      <a:pPr algn="l"/>
+                      <a:r>
+                        <a:rPr lang="en-US" altLang="zh-TW" sz="1000" dirty="0" smtClean="0"/>
+                        <a:t>Container Orchestration</a:t>
+                      </a:r>
+                      <a:endParaRPr lang="zh-TW" altLang="en-US" sz="1000" dirty="0"/>
+                    </a:p>
+                  </a:txBody>
+                  <a:tcPr marL="91429" marR="91429" marT="45716" marB="45716" anchor="ctr"/>
+                </a:tc>
+                <a:tc>
+                  <a:txBody>
+                    <a:bodyPr/>
+                    <a:lstStyle/>
+                    <a:p>
+                      <a:pPr algn="l"/>
+                      <a:r>
+                        <a:rPr lang="en-US" altLang="zh-TW" sz="1000" dirty="0" err="1" smtClean="0"/>
+                        <a:t>Kubernetes</a:t>
+                      </a:r>
+                      <a:endParaRPr lang="zh-TW" altLang="en-US" sz="1000" dirty="0"/>
+                    </a:p>
+                  </a:txBody>
+                  <a:tcPr marL="91429" marR="91429" marT="45716" marB="45716" anchor="ctr"/>
+                </a:tc>
+                <a:tc>
+                  <a:txBody>
+                    <a:bodyPr/>
+                    <a:lstStyle/>
+                    <a:p>
+                      <a:pPr algn="l"/>
+                      <a:r>
+                        <a:rPr lang="en-US" altLang="zh-TW" sz="1000" dirty="0" smtClean="0"/>
+                        <a:t>1G</a:t>
+                      </a:r>
+                      <a:endParaRPr lang="zh-TW" altLang="en-US" sz="1000" dirty="0"/>
+                    </a:p>
+                  </a:txBody>
+                  <a:tcPr marL="91429" marR="91429" marT="45716" marB="45716" anchor="ctr"/>
+                </a:tc>
+                <a:tc>
+                  <a:txBody>
+                    <a:bodyPr/>
+                    <a:lstStyle/>
+                    <a:p>
+                      <a:pPr algn="l"/>
+                      <a:endParaRPr lang="zh-TW" altLang="en-US" sz="1000" dirty="0"/>
+                    </a:p>
+                  </a:txBody>
+                  <a:tcPr marL="91429" marR="91429" marT="45716" marB="45716" anchor="ctr"/>
+                </a:tc>
+              </a:tr>
+              <a:tr h="244927">
                 <a:tc>
                   <a:txBody>
                     <a:bodyPr/>
@@ -11535,8 +11601,8 @@
                     <a:p>
                       <a:pPr algn="l"/>
                       <a:r>
-                        <a:rPr lang="en-US" altLang="zh-TW" sz="1000" dirty="0"/>
-                        <a:t>1024G</a:t>
+                        <a:rPr lang="en-US" altLang="zh-TW" sz="1000" dirty="0" smtClean="0"/>
+                        <a:t>1152G</a:t>
                       </a:r>
                       <a:endParaRPr lang="zh-TW" altLang="en-US" sz="1000" dirty="0"/>
                     </a:p>
@@ -11545,11 +11611,11 @@
                 </a:tc>
                 <a:extLst>
                   <a:ext uri="{0D108BD9-81ED-4DB2-BD59-A6C34878D82A}">
-                    <a16:rowId xmlns:a16="http://schemas.microsoft.com/office/drawing/2014/main" xmlns="" val="3305098242"/>
+                    <a16:rowId xmlns="" xmlns:a16="http://schemas.microsoft.com/office/drawing/2014/main" val="3305098242"/>
                   </a:ext>
                 </a:extLst>
               </a:tr>
-              <a:tr h="286974">
+              <a:tr h="244927">
                 <a:tc>
                   <a:txBody>
                     <a:bodyPr/>
@@ -11583,8 +11649,8 @@
                     <a:p>
                       <a:pPr algn="l"/>
                       <a:r>
-                        <a:rPr lang="en-US" altLang="zh-TW" sz="1000" dirty="0"/>
-                        <a:t>0.5G</a:t>
+                        <a:rPr lang="en-US" altLang="zh-TW" sz="1000" dirty="0" smtClean="0"/>
+                        <a:t>0.512G</a:t>
                       </a:r>
                       <a:endParaRPr lang="zh-TW" altLang="en-US" sz="1000" dirty="0"/>
                     </a:p>
@@ -11608,11 +11674,11 @@
                 </a:tc>
                 <a:extLst>
                   <a:ext uri="{0D108BD9-81ED-4DB2-BD59-A6C34878D82A}">
-                    <a16:rowId xmlns:a16="http://schemas.microsoft.com/office/drawing/2014/main" xmlns="" val="812987983"/>
+                    <a16:rowId xmlns="" xmlns:a16="http://schemas.microsoft.com/office/drawing/2014/main" val="812987983"/>
                   </a:ext>
                 </a:extLst>
               </a:tr>
-              <a:tr h="286974">
+              <a:tr h="244927">
                 <a:tc>
                   <a:txBody>
                     <a:bodyPr/>
@@ -11665,8 +11731,8 @@
                     <a:p>
                       <a:pPr algn="l"/>
                       <a:r>
-                        <a:rPr lang="en-US" altLang="zh-TW" sz="1000" dirty="0"/>
-                        <a:t>32G</a:t>
+                        <a:rPr lang="en-US" altLang="zh-TW" sz="1000" dirty="0" smtClean="0"/>
+                        <a:t>64G</a:t>
                       </a:r>
                       <a:endParaRPr lang="zh-TW" altLang="en-US" sz="1000" dirty="0"/>
                     </a:p>
@@ -11675,11 +11741,11 @@
                 </a:tc>
                 <a:extLst>
                   <a:ext uri="{0D108BD9-81ED-4DB2-BD59-A6C34878D82A}">
-                    <a16:rowId xmlns:a16="http://schemas.microsoft.com/office/drawing/2014/main" xmlns="" val="2530708922"/>
+                    <a16:rowId xmlns="" xmlns:a16="http://schemas.microsoft.com/office/drawing/2014/main" val="2530708922"/>
                   </a:ext>
                 </a:extLst>
               </a:tr>
-              <a:tr h="286974">
+              <a:tr h="351819">
                 <a:tc>
                   <a:txBody>
                     <a:bodyPr/>
@@ -11717,8 +11783,8 @@
                     <a:p>
                       <a:pPr algn="l"/>
                       <a:r>
-                        <a:rPr lang="en-US" altLang="zh-TW" sz="1000" dirty="0"/>
-                        <a:t>0.25G</a:t>
+                        <a:rPr lang="en-US" altLang="zh-TW" sz="1000" dirty="0" smtClean="0"/>
+                        <a:t>0.256G</a:t>
                       </a:r>
                       <a:endParaRPr lang="zh-TW" altLang="en-US" sz="1000" dirty="0"/>
                     </a:p>
@@ -11732,8 +11798,8 @@
                     <a:p>
                       <a:pPr algn="l"/>
                       <a:r>
-                        <a:rPr lang="en-US" altLang="zh-TW" sz="1000" dirty="0"/>
-                        <a:t>10G</a:t>
+                        <a:rPr lang="en-US" altLang="zh-TW" sz="1000" dirty="0" smtClean="0"/>
+                        <a:t>128G</a:t>
                       </a:r>
                       <a:endParaRPr lang="zh-TW" altLang="en-US" sz="1000" dirty="0"/>
                     </a:p>
@@ -11742,11 +11808,11 @@
                 </a:tc>
                 <a:extLst>
                   <a:ext uri="{0D108BD9-81ED-4DB2-BD59-A6C34878D82A}">
-                    <a16:rowId xmlns:a16="http://schemas.microsoft.com/office/drawing/2014/main" xmlns="" val="3230359394"/>
+                    <a16:rowId xmlns="" xmlns:a16="http://schemas.microsoft.com/office/drawing/2014/main" val="3230359394"/>
                   </a:ext>
                 </a:extLst>
               </a:tr>
-              <a:tr h="286974">
+              <a:tr h="244927">
                 <a:tc>
                   <a:txBody>
                     <a:bodyPr/>
@@ -11755,7 +11821,11 @@
                       <a:pPr algn="l"/>
                       <a:r>
                         <a:rPr lang="en-US" altLang="zh-TW" sz="1000" dirty="0"/>
-                        <a:t>System Monitor</a:t>
+                        <a:t>System </a:t>
+                      </a:r>
+                      <a:r>
+                        <a:rPr lang="en-US" altLang="zh-TW" sz="1000" dirty="0" smtClean="0"/>
+                        <a:t>Monitoring</a:t>
                       </a:r>
                       <a:endParaRPr lang="zh-TW" altLang="en-US" sz="1000" dirty="0"/>
                     </a:p>
@@ -11813,11 +11883,11 @@
                 </a:tc>
                 <a:extLst>
                   <a:ext uri="{0D108BD9-81ED-4DB2-BD59-A6C34878D82A}">
-                    <a16:rowId xmlns:a16="http://schemas.microsoft.com/office/drawing/2014/main" xmlns="" val="1948580317"/>
+                    <a16:rowId xmlns="" xmlns:a16="http://schemas.microsoft.com/office/drawing/2014/main" val="1948580317"/>
                   </a:ext>
                 </a:extLst>
               </a:tr>
-              <a:tr h="469595">
+              <a:tr h="400791">
                 <a:tc>
                   <a:txBody>
                     <a:bodyPr/>
@@ -11825,8 +11895,8 @@
                     <a:p>
                       <a:pPr algn="l"/>
                       <a:r>
-                        <a:rPr lang="en-US" altLang="zh-TW" sz="1000" dirty="0"/>
-                        <a:t>Dashboard Visualization</a:t>
+                        <a:rPr lang="en-US" altLang="zh-TW" sz="1000" dirty="0" smtClean="0"/>
+                        <a:t>Visualization Dashboard</a:t>
                       </a:r>
                       <a:endParaRPr lang="zh-TW" altLang="en-US" sz="1000" dirty="0"/>
                     </a:p>
@@ -11855,8 +11925,8 @@
                     <a:p>
                       <a:pPr algn="l"/>
                       <a:r>
-                        <a:rPr lang="en-US" altLang="zh-TW" sz="1000" dirty="0"/>
-                        <a:t>128MB</a:t>
+                        <a:rPr lang="en-US" altLang="zh-TW" sz="1000" dirty="0" smtClean="0"/>
+                        <a:t>0.128G</a:t>
                       </a:r>
                       <a:endParaRPr lang="zh-TW" altLang="en-US" sz="1000" dirty="0"/>
                     </a:p>
@@ -11869,6 +11939,10 @@
                     <a:lstStyle/>
                     <a:p>
                       <a:pPr algn="l"/>
+                      <a:r>
+                        <a:rPr lang="en-US" altLang="zh-TW" sz="1000" dirty="0" smtClean="0"/>
+                        <a:t>10G</a:t>
+                      </a:r>
                       <a:endParaRPr lang="zh-TW" altLang="en-US" sz="1000" dirty="0"/>
                     </a:p>
                   </a:txBody>
@@ -11876,11 +11950,11 @@
                 </a:tc>
                 <a:extLst>
                   <a:ext uri="{0D108BD9-81ED-4DB2-BD59-A6C34878D82A}">
-                    <a16:rowId xmlns:a16="http://schemas.microsoft.com/office/drawing/2014/main" xmlns="" val="3298908375"/>
+                    <a16:rowId xmlns="" xmlns:a16="http://schemas.microsoft.com/office/drawing/2014/main" val="3298908375"/>
                   </a:ext>
                 </a:extLst>
               </a:tr>
-              <a:tr h="469595">
+              <a:tr h="400791">
                 <a:tc>
                   <a:txBody>
                     <a:bodyPr/>
@@ -11918,8 +11992,8 @@
                     <a:p>
                       <a:pPr algn="l"/>
                       <a:r>
-                        <a:rPr lang="en-US" altLang="zh-TW" sz="1000" dirty="0"/>
-                        <a:t>1G</a:t>
+                        <a:rPr lang="en-US" altLang="zh-TW" sz="1000" dirty="0" smtClean="0"/>
+                        <a:t>0.512G</a:t>
                       </a:r>
                       <a:endParaRPr lang="zh-TW" altLang="en-US" sz="1000" dirty="0"/>
                     </a:p>
@@ -11939,11 +12013,11 @@
                 </a:tc>
                 <a:extLst>
                   <a:ext uri="{0D108BD9-81ED-4DB2-BD59-A6C34878D82A}">
-                    <a16:rowId xmlns:a16="http://schemas.microsoft.com/office/drawing/2014/main" xmlns="" val="2355527214"/>
+                    <a16:rowId xmlns="" xmlns:a16="http://schemas.microsoft.com/office/drawing/2014/main" val="2355527214"/>
                   </a:ext>
                 </a:extLst>
               </a:tr>
-              <a:tr h="286974">
+              <a:tr h="244927">
                 <a:tc>
                   <a:txBody>
                     <a:bodyPr/>
@@ -11981,8 +12055,8 @@
                     <a:p>
                       <a:pPr algn="l"/>
                       <a:r>
-                        <a:rPr lang="en-US" altLang="zh-TW" sz="1000" dirty="0"/>
-                        <a:t>0.5G</a:t>
+                        <a:rPr lang="en-US" altLang="zh-TW" sz="1000" dirty="0" smtClean="0"/>
+                        <a:t>0.512G</a:t>
                       </a:r>
                       <a:endParaRPr lang="zh-TW" altLang="en-US" sz="1000" dirty="0"/>
                     </a:p>
@@ -12002,11 +12076,11 @@
                 </a:tc>
                 <a:extLst>
                   <a:ext uri="{0D108BD9-81ED-4DB2-BD59-A6C34878D82A}">
-                    <a16:rowId xmlns:a16="http://schemas.microsoft.com/office/drawing/2014/main" xmlns="" val="2316060241"/>
+                    <a16:rowId xmlns="" xmlns:a16="http://schemas.microsoft.com/office/drawing/2014/main" val="2316060241"/>
                   </a:ext>
                 </a:extLst>
               </a:tr>
-              <a:tr h="286974">
+              <a:tr h="338176">
                 <a:tc>
                   <a:txBody>
                     <a:bodyPr/>
@@ -12014,12 +12088,12 @@
                     <a:p>
                       <a:pPr algn="l"/>
                       <a:r>
-                        <a:rPr lang="en-US" altLang="zh-TW" sz="1000" dirty="0"/>
-                        <a:t>WISE-PaaS/</a:t>
+                        <a:rPr lang="en-US" altLang="zh-TW" sz="1000" dirty="0" smtClean="0"/>
+                        <a:t>Private</a:t>
                       </a:r>
                       <a:r>
-                        <a:rPr lang="en-US" altLang="zh-TW" sz="1000" dirty="0" err="1"/>
-                        <a:t>DeviceOn</a:t>
+                        <a:rPr lang="en-US" altLang="zh-TW" sz="1000" baseline="0" dirty="0" smtClean="0"/>
+                        <a:t> Chart Repo</a:t>
                       </a:r>
                       <a:endParaRPr lang="zh-TW" altLang="en-US" sz="1000" dirty="0"/>
                     </a:p>
@@ -12031,8 +12105,59 @@
                     <a:bodyPr/>
                     <a:lstStyle/>
                     <a:p>
-                      <a:pPr algn="l"/>
-                      <a:endParaRPr lang="zh-TW" altLang="en-US" sz="1000" dirty="0"/>
+                      <a:pPr marL="0" marR="0" indent="0" algn="l" defTabSz="914400" rtl="0" eaLnBrk="1" fontAlgn="auto" latinLnBrk="0" hangingPunct="1">
+                        <a:lnSpc>
+                          <a:spcPct val="100000"/>
+                        </a:lnSpc>
+                        <a:spcBef>
+                          <a:spcPts val="0"/>
+                        </a:spcBef>
+                        <a:spcAft>
+                          <a:spcPts val="0"/>
+                        </a:spcAft>
+                        <a:buClrTx/>
+                        <a:buSzTx/>
+                        <a:buFontTx/>
+                        <a:buNone/>
+                        <a:tabLst/>
+                        <a:defRPr/>
+                      </a:pPr>
+                      <a:r>
+                        <a:rPr lang="en-US" altLang="zh-TW" sz="1000" dirty="0" err="1" smtClean="0"/>
+                        <a:t>Chartmuseum</a:t>
+                      </a:r>
+                      <a:endParaRPr lang="zh-TW" altLang="en-US" sz="1000" dirty="0" smtClean="0"/>
+                    </a:p>
+                  </a:txBody>
+                  <a:tcPr marL="91429" marR="91429" marT="45716" marB="45716" anchor="ctr"/>
+                </a:tc>
+                <a:tc>
+                  <a:txBody>
+                    <a:bodyPr/>
+                    <a:lstStyle/>
+                    <a:p>
+                      <a:pPr marL="0" marR="0" indent="0" algn="l" defTabSz="914400" rtl="0" eaLnBrk="1" fontAlgn="auto" latinLnBrk="0" hangingPunct="1">
+                        <a:lnSpc>
+                          <a:spcPct val="100000"/>
+                        </a:lnSpc>
+                        <a:spcBef>
+                          <a:spcPts val="0"/>
+                        </a:spcBef>
+                        <a:spcAft>
+                          <a:spcPts val="0"/>
+                        </a:spcAft>
+                        <a:buClrTx/>
+                        <a:buSzTx/>
+                        <a:buFontTx/>
+                        <a:buNone/>
+                        <a:tabLst/>
+                        <a:defRPr/>
+                      </a:pPr>
+                      <a:r>
+                        <a:rPr lang="en-US" altLang="zh-TW" sz="1000" dirty="0" smtClean="0"/>
+                        <a:t>0.128G</a:t>
+                      </a:r>
+                      <a:endParaRPr lang="zh-TW" altLang="en-US" sz="1000" dirty="0" smtClean="0"/>
                     </a:p>
                   </a:txBody>
                   <a:tcPr marL="91429" marR="91429" marT="45716" marB="45716" anchor="ctr"/>
@@ -12044,8 +12169,87 @@
                     <a:p>
                       <a:pPr algn="l"/>
                       <a:r>
-                        <a:rPr lang="en-US" altLang="zh-TW" sz="1000" dirty="0"/>
-                        <a:t>3.5G</a:t>
+                        <a:rPr lang="en-US" altLang="zh-TW" sz="1000" dirty="0" smtClean="0"/>
+                        <a:t>8G</a:t>
+                      </a:r>
+                      <a:endParaRPr lang="zh-TW" altLang="en-US" sz="1000" dirty="0"/>
+                    </a:p>
+                  </a:txBody>
+                  <a:tcPr marL="91429" marR="91429" marT="45716" marB="45716" anchor="ctr"/>
+                </a:tc>
+              </a:tr>
+              <a:tr h="338176">
+                <a:tc>
+                  <a:txBody>
+                    <a:bodyPr/>
+                    <a:lstStyle/>
+                    <a:p>
+                      <a:pPr algn="l"/>
+                      <a:r>
+                        <a:rPr lang="en-US" altLang="zh-TW" sz="1000" dirty="0" smtClean="0"/>
+                        <a:t>Device</a:t>
+                      </a:r>
+                      <a:r>
+                        <a:rPr lang="en-US" altLang="zh-TW" sz="1000" baseline="0" dirty="0" smtClean="0"/>
+                        <a:t> Management</a:t>
+                      </a:r>
+                      <a:endParaRPr lang="zh-TW" altLang="en-US" sz="1000" dirty="0"/>
+                    </a:p>
+                  </a:txBody>
+                  <a:tcPr marL="91429" marR="91429" marT="45716" marB="45716" anchor="ctr"/>
+                </a:tc>
+                <a:tc>
+                  <a:txBody>
+                    <a:bodyPr/>
+                    <a:lstStyle/>
+                    <a:p>
+                      <a:pPr marL="0" marR="0" indent="0" algn="l" defTabSz="914400" rtl="0" eaLnBrk="1" fontAlgn="auto" latinLnBrk="0" hangingPunct="1">
+                        <a:lnSpc>
+                          <a:spcPct val="100000"/>
+                        </a:lnSpc>
+                        <a:spcBef>
+                          <a:spcPts val="0"/>
+                        </a:spcBef>
+                        <a:spcAft>
+                          <a:spcPts val="0"/>
+                        </a:spcAft>
+                        <a:buClrTx/>
+                        <a:buSzTx/>
+                        <a:buFontTx/>
+                        <a:buNone/>
+                        <a:tabLst/>
+                        <a:defRPr/>
+                      </a:pPr>
+                      <a:r>
+                        <a:rPr lang="en-US" altLang="zh-TW" sz="1000" dirty="0" smtClean="0"/>
+                        <a:t>WISE-</a:t>
+                      </a:r>
+                      <a:r>
+                        <a:rPr lang="en-US" altLang="zh-TW" sz="1000" dirty="0" err="1" smtClean="0"/>
+                        <a:t>PaaS</a:t>
+                      </a:r>
+                      <a:r>
+                        <a:rPr lang="en-US" altLang="zh-TW" sz="1000" dirty="0" smtClean="0"/>
+                        <a:t>/</a:t>
+                      </a:r>
+                      <a:r>
+                        <a:rPr lang="en-US" altLang="zh-TW" sz="1000" dirty="0" err="1" smtClean="0"/>
+                        <a:t>EdgeSense</a:t>
+                      </a:r>
+                      <a:endParaRPr lang="zh-TW" altLang="en-US" sz="1000" dirty="0" smtClean="0"/>
+                    </a:p>
+                  </a:txBody>
+                  <a:tcPr marL="91429" marR="91429" marT="45716" marB="45716" anchor="ctr"/>
+                </a:tc>
+                <a:tc>
+                  <a:txBody>
+                    <a:bodyPr/>
+                    <a:lstStyle/>
+                    <a:p>
+                      <a:pPr algn="l"/>
+                      <a:r>
+                        <a:rPr lang="en-US" altLang="zh-TW" sz="1000" dirty="0" smtClean="0"/>
+                        <a:t>3.512G</a:t>
                       </a:r>
                       <a:endParaRPr lang="zh-TW" altLang="en-US" sz="1000" dirty="0"/>
                     </a:p>
@@ -12065,7 +12269,7 @@
                 </a:tc>
                 <a:extLst>
                   <a:ext uri="{0D108BD9-81ED-4DB2-BD59-A6C34878D82A}">
-                    <a16:rowId xmlns:a16="http://schemas.microsoft.com/office/drawing/2014/main" xmlns="" val="2640943990"/>
+                    <a16:rowId xmlns="" xmlns:a16="http://schemas.microsoft.com/office/drawing/2014/main" val="2640943990"/>
                   </a:ext>
                 </a:extLst>
               </a:tr>
@@ -12078,7 +12282,7 @@
           <p:cNvPr id="21559" name="內容版面配置區 1">
             <a:extLst>
               <a:ext uri="{FF2B5EF4-FFF2-40B4-BE49-F238E27FC236}">
-                <a16:creationId xmlns:a16="http://schemas.microsoft.com/office/drawing/2014/main" xmlns="" id="{001BB27F-4F08-49B7-99EB-6C0240C1F2CA}"/>
+                <a16:creationId xmlns="" xmlns:a16="http://schemas.microsoft.com/office/drawing/2014/main" id="{001BB27F-4F08-49B7-99EB-6C0240C1F2CA}"/>
               </a:ext>
             </a:extLst>
           </p:cNvPr>
@@ -12155,17 +12359,18 @@
           <a:p>
             <a:pPr lvl="1"/>
             <a:r>
-              <a:rPr lang="en-US" altLang="zh-TW" sz="1400" b="1" dirty="0">
+              <a:rPr lang="en-US" altLang="zh-TW" sz="1400" b="1" dirty="0" smtClean="0">
                 <a:solidFill>
                   <a:srgbClr val="C00000"/>
                 </a:solidFill>
               </a:rPr>
-              <a:t>23G</a:t>
-            </a:r>
-            <a:r>
-              <a:rPr lang="en-US" altLang="zh-TW" sz="1400" dirty="0"/>
+              <a:t>25G</a:t>
+            </a:r>
+            <a:r>
+              <a:rPr lang="en-US" altLang="zh-TW" sz="1400" dirty="0" smtClean="0"/>
               <a:t>/32G</a:t>
             </a:r>
+            <a:endParaRPr lang="en-US" altLang="zh-TW" sz="1400" dirty="0"/>
           </a:p>
           <a:p>
             <a:pPr lvl="1"/>
@@ -12180,8 +12385,8 @@
           <a:p>
             <a:pPr lvl="1"/>
             <a:r>
-              <a:rPr lang="en-US" altLang="zh-TW" sz="1400" b="1" dirty="0" smtClean="0"/>
-              <a:t>2T</a:t>
+              <a:rPr lang="en-US" altLang="zh-TW" sz="1400" b="1" smtClean="0"/>
+              <a:t>2T/10T</a:t>
             </a:r>
             <a:endParaRPr lang="en-US" altLang="zh-TW" sz="1400" dirty="0"/>
           </a:p>
@@ -12224,7 +12429,7 @@
           <p:cNvPr id="3" name="標題 2">
             <a:extLst>
               <a:ext uri="{FF2B5EF4-FFF2-40B4-BE49-F238E27FC236}">
-                <a16:creationId xmlns:a16="http://schemas.microsoft.com/office/drawing/2014/main" xmlns="" id="{4227DAF2-B84E-4FC9-B97B-13637DBD8058}"/>
+                <a16:creationId xmlns="" xmlns:a16="http://schemas.microsoft.com/office/drawing/2014/main" id="{4227DAF2-B84E-4FC9-B97B-13637DBD8058}"/>
               </a:ext>
             </a:extLst>
           </p:cNvPr>
@@ -12271,7 +12476,7 @@
           <p:cNvPr id="22531" name="內容版面配置區 1">
             <a:extLst>
               <a:ext uri="{FF2B5EF4-FFF2-40B4-BE49-F238E27FC236}">
-                <a16:creationId xmlns:a16="http://schemas.microsoft.com/office/drawing/2014/main" xmlns="" id="{71F07E35-F159-41AF-BE0E-EFD1509EF31A}"/>
+                <a16:creationId xmlns="" xmlns:a16="http://schemas.microsoft.com/office/drawing/2014/main" id="{71F07E35-F159-41AF-BE0E-EFD1509EF31A}"/>
               </a:ext>
             </a:extLst>
           </p:cNvPr>
@@ -12422,7 +12627,7 @@
           <p:cNvPr id="33" name="Shape 2700">
             <a:extLst>
               <a:ext uri="{FF2B5EF4-FFF2-40B4-BE49-F238E27FC236}">
-                <a16:creationId xmlns:a16="http://schemas.microsoft.com/office/drawing/2014/main" xmlns="" id="{7BCD65BE-099A-421F-8439-D853A3E789F4}"/>
+                <a16:creationId xmlns="" xmlns:a16="http://schemas.microsoft.com/office/drawing/2014/main" id="{7BCD65BE-099A-421F-8439-D853A3E789F4}"/>
               </a:ext>
             </a:extLst>
           </p:cNvPr>
@@ -12485,7 +12690,7 @@
           <p:cNvPr id="34" name="Shape 2701">
             <a:extLst>
               <a:ext uri="{FF2B5EF4-FFF2-40B4-BE49-F238E27FC236}">
-                <a16:creationId xmlns:a16="http://schemas.microsoft.com/office/drawing/2014/main" xmlns="" id="{A972FB5D-ACDC-4855-9658-9ABA73264CBD}"/>
+                <a16:creationId xmlns="" xmlns:a16="http://schemas.microsoft.com/office/drawing/2014/main" id="{A972FB5D-ACDC-4855-9658-9ABA73264CBD}"/>
               </a:ext>
             </a:extLst>
           </p:cNvPr>
@@ -12541,7 +12746,7 @@
           <p:cNvPr id="35" name="Shape 2707">
             <a:extLst>
               <a:ext uri="{FF2B5EF4-FFF2-40B4-BE49-F238E27FC236}">
-                <a16:creationId xmlns:a16="http://schemas.microsoft.com/office/drawing/2014/main" xmlns="" id="{6FAAEDB0-8013-4EC4-8718-7D8FFC3A1543}"/>
+                <a16:creationId xmlns="" xmlns:a16="http://schemas.microsoft.com/office/drawing/2014/main" id="{6FAAEDB0-8013-4EC4-8718-7D8FFC3A1543}"/>
               </a:ext>
             </a:extLst>
           </p:cNvPr>
@@ -12593,7 +12798,7 @@
           <p:cNvPr id="43" name="TextBox 42">
             <a:extLst>
               <a:ext uri="{FF2B5EF4-FFF2-40B4-BE49-F238E27FC236}">
-                <a16:creationId xmlns:a16="http://schemas.microsoft.com/office/drawing/2014/main" xmlns="" id="{7E3585CC-DD39-4E45-B1BC-C1EDFFE00AF9}"/>
+                <a16:creationId xmlns="" xmlns:a16="http://schemas.microsoft.com/office/drawing/2014/main" id="{7E3585CC-DD39-4E45-B1BC-C1EDFFE00AF9}"/>
               </a:ext>
             </a:extLst>
           </p:cNvPr>
@@ -12646,7 +12851,7 @@
           <p:cNvPr id="44" name="矩形 7">
             <a:extLst>
               <a:ext uri="{FF2B5EF4-FFF2-40B4-BE49-F238E27FC236}">
-                <a16:creationId xmlns:a16="http://schemas.microsoft.com/office/drawing/2014/main" xmlns="" id="{40A673EB-420C-4AA0-BDF9-7367CA04045B}"/>
+                <a16:creationId xmlns="" xmlns:a16="http://schemas.microsoft.com/office/drawing/2014/main" id="{40A673EB-420C-4AA0-BDF9-7367CA04045B}"/>
               </a:ext>
             </a:extLst>
           </p:cNvPr>
@@ -12732,7 +12937,7 @@
           <p:cNvPr id="50" name="Group 49">
             <a:extLst>
               <a:ext uri="{FF2B5EF4-FFF2-40B4-BE49-F238E27FC236}">
-                <a16:creationId xmlns:a16="http://schemas.microsoft.com/office/drawing/2014/main" xmlns="" id="{1927BD14-9F84-48B2-B44B-2BBA360B4202}"/>
+                <a16:creationId xmlns="" xmlns:a16="http://schemas.microsoft.com/office/drawing/2014/main" id="{1927BD14-9F84-48B2-B44B-2BBA360B4202}"/>
               </a:ext>
             </a:extLst>
           </p:cNvPr>
@@ -12752,7 +12957,7 @@
             <p:cNvPr id="51" name="直線單箭頭接點 119">
               <a:extLst>
                 <a:ext uri="{FF2B5EF4-FFF2-40B4-BE49-F238E27FC236}">
-                  <a16:creationId xmlns:a16="http://schemas.microsoft.com/office/drawing/2014/main" xmlns="" id="{6E55404F-0E34-46A2-ADCD-CAC766161459}"/>
+                  <a16:creationId xmlns="" xmlns:a16="http://schemas.microsoft.com/office/drawing/2014/main" id="{6E55404F-0E34-46A2-ADCD-CAC766161459}"/>
                 </a:ext>
               </a:extLst>
             </p:cNvPr>
@@ -12796,7 +13001,7 @@
             <p:cNvPr id="52" name="直線單箭頭接點 120">
               <a:extLst>
                 <a:ext uri="{FF2B5EF4-FFF2-40B4-BE49-F238E27FC236}">
-                  <a16:creationId xmlns:a16="http://schemas.microsoft.com/office/drawing/2014/main" xmlns="" id="{4CBBB3B5-2E3F-42ED-84A3-9E193824B141}"/>
+                  <a16:creationId xmlns="" xmlns:a16="http://schemas.microsoft.com/office/drawing/2014/main" id="{4CBBB3B5-2E3F-42ED-84A3-9E193824B141}"/>
                 </a:ext>
               </a:extLst>
             </p:cNvPr>
@@ -12840,7 +13045,7 @@
             <p:cNvPr id="53" name="直線單箭頭接點 121">
               <a:extLst>
                 <a:ext uri="{FF2B5EF4-FFF2-40B4-BE49-F238E27FC236}">
-                  <a16:creationId xmlns:a16="http://schemas.microsoft.com/office/drawing/2014/main" xmlns="" id="{8B86896F-1A5C-49D0-AB92-0A4C500F0881}"/>
+                  <a16:creationId xmlns="" xmlns:a16="http://schemas.microsoft.com/office/drawing/2014/main" id="{8B86896F-1A5C-49D0-AB92-0A4C500F0881}"/>
                 </a:ext>
               </a:extLst>
             </p:cNvPr>
@@ -12884,7 +13089,7 @@
             <p:cNvPr id="54" name="直線單箭頭接點 122">
               <a:extLst>
                 <a:ext uri="{FF2B5EF4-FFF2-40B4-BE49-F238E27FC236}">
-                  <a16:creationId xmlns:a16="http://schemas.microsoft.com/office/drawing/2014/main" xmlns="" id="{D6F8C7AF-8F2D-4054-B76E-F697947FB6F4}"/>
+                  <a16:creationId xmlns="" xmlns:a16="http://schemas.microsoft.com/office/drawing/2014/main" id="{D6F8C7AF-8F2D-4054-B76E-F697947FB6F4}"/>
                 </a:ext>
               </a:extLst>
             </p:cNvPr>
@@ -12929,7 +13134,7 @@
           <p:cNvPr id="56" name="Rectangle: Rounded Corners 55">
             <a:extLst>
               <a:ext uri="{FF2B5EF4-FFF2-40B4-BE49-F238E27FC236}">
-                <a16:creationId xmlns:a16="http://schemas.microsoft.com/office/drawing/2014/main" xmlns="" id="{035D86CE-E769-4B94-8DEA-0D552DA23296}"/>
+                <a16:creationId xmlns="" xmlns:a16="http://schemas.microsoft.com/office/drawing/2014/main" id="{035D86CE-E769-4B94-8DEA-0D552DA23296}"/>
               </a:ext>
             </a:extLst>
           </p:cNvPr>
@@ -13002,7 +13207,7 @@
           <p:cNvPr id="63" name="TextBox 62">
             <a:extLst>
               <a:ext uri="{FF2B5EF4-FFF2-40B4-BE49-F238E27FC236}">
-                <a16:creationId xmlns:a16="http://schemas.microsoft.com/office/drawing/2014/main" xmlns="" id="{1B097AD5-EBF2-4100-A5CF-AAE727ACFEF5}"/>
+                <a16:creationId xmlns="" xmlns:a16="http://schemas.microsoft.com/office/drawing/2014/main" id="{1B097AD5-EBF2-4100-A5CF-AAE727ACFEF5}"/>
               </a:ext>
             </a:extLst>
           </p:cNvPr>
@@ -13067,7 +13272,7 @@
           <p:cNvPr id="39" name="Shape 2710">
             <a:extLst>
               <a:ext uri="{FF2B5EF4-FFF2-40B4-BE49-F238E27FC236}">
-                <a16:creationId xmlns:a16="http://schemas.microsoft.com/office/drawing/2014/main" xmlns="" id="{DAF4F0C5-296A-4CF2-B2C0-0A636F6CFDAF}"/>
+                <a16:creationId xmlns="" xmlns:a16="http://schemas.microsoft.com/office/drawing/2014/main" id="{DAF4F0C5-296A-4CF2-B2C0-0A636F6CFDAF}"/>
               </a:ext>
             </a:extLst>
           </p:cNvPr>
@@ -13087,7 +13292,7 @@
           </a:ln>
           <a:extLst>
             <a:ext uri="{C572A759-6A51-4108-AA02-DFA0A04FC94B}">
-              <ma14:wrappingTextBoxFlag xmlns="" xmlns:ma14="http://schemas.microsoft.com/office/mac/drawingml/2011/main" val="1"/>
+              <ma14:wrappingTextBoxFlag xmlns:ma14="http://schemas.microsoft.com/office/mac/drawingml/2011/main" xmlns="" val="1"/>
             </a:ext>
           </a:extLst>
         </p:spPr>
@@ -13238,7 +13443,7 @@
           <p:cNvPr id="23" name="Shape 2710">
             <a:extLst>
               <a:ext uri="{FF2B5EF4-FFF2-40B4-BE49-F238E27FC236}">
-                <a16:creationId xmlns:a16="http://schemas.microsoft.com/office/drawing/2014/main" xmlns="" id="{DAF4F0C5-296A-4CF2-B2C0-0A636F6CFDAF}"/>
+                <a16:creationId xmlns="" xmlns:a16="http://schemas.microsoft.com/office/drawing/2014/main" id="{DAF4F0C5-296A-4CF2-B2C0-0A636F6CFDAF}"/>
               </a:ext>
             </a:extLst>
           </p:cNvPr>
@@ -13258,7 +13463,7 @@
           </a:ln>
           <a:extLst>
             <a:ext uri="{C572A759-6A51-4108-AA02-DFA0A04FC94B}">
-              <ma14:wrappingTextBoxFlag xmlns="" xmlns:ma14="http://schemas.microsoft.com/office/mac/drawingml/2011/main" val="1"/>
+              <ma14:wrappingTextBoxFlag xmlns:ma14="http://schemas.microsoft.com/office/mac/drawingml/2011/main" xmlns="" val="1"/>
             </a:ext>
           </a:extLst>
         </p:spPr>
@@ -13303,7 +13508,7 @@
           <p:cNvPr id="24" name="Shape 2710">
             <a:extLst>
               <a:ext uri="{FF2B5EF4-FFF2-40B4-BE49-F238E27FC236}">
-                <a16:creationId xmlns:a16="http://schemas.microsoft.com/office/drawing/2014/main" xmlns="" id="{DAF4F0C5-296A-4CF2-B2C0-0A636F6CFDAF}"/>
+                <a16:creationId xmlns="" xmlns:a16="http://schemas.microsoft.com/office/drawing/2014/main" id="{DAF4F0C5-296A-4CF2-B2C0-0A636F6CFDAF}"/>
               </a:ext>
             </a:extLst>
           </p:cNvPr>
@@ -13323,7 +13528,7 @@
           </a:ln>
           <a:extLst>
             <a:ext uri="{C572A759-6A51-4108-AA02-DFA0A04FC94B}">
-              <ma14:wrappingTextBoxFlag xmlns="" xmlns:ma14="http://schemas.microsoft.com/office/mac/drawingml/2011/main" val="1"/>
+              <ma14:wrappingTextBoxFlag xmlns:ma14="http://schemas.microsoft.com/office/mac/drawingml/2011/main" xmlns="" val="1"/>
             </a:ext>
           </a:extLst>
         </p:spPr>
@@ -13416,7 +13621,7 @@
           <p:cNvPr id="25" name="Shape 2710">
             <a:extLst>
               <a:ext uri="{FF2B5EF4-FFF2-40B4-BE49-F238E27FC236}">
-                <a16:creationId xmlns:a16="http://schemas.microsoft.com/office/drawing/2014/main" xmlns="" id="{DAF4F0C5-296A-4CF2-B2C0-0A636F6CFDAF}"/>
+                <a16:creationId xmlns="" xmlns:a16="http://schemas.microsoft.com/office/drawing/2014/main" id="{DAF4F0C5-296A-4CF2-B2C0-0A636F6CFDAF}"/>
               </a:ext>
             </a:extLst>
           </p:cNvPr>
@@ -13436,7 +13641,7 @@
           </a:ln>
           <a:extLst>
             <a:ext uri="{C572A759-6A51-4108-AA02-DFA0A04FC94B}">
-              <ma14:wrappingTextBoxFlag xmlns="" xmlns:ma14="http://schemas.microsoft.com/office/mac/drawingml/2011/main" val="1"/>
+              <ma14:wrappingTextBoxFlag xmlns:ma14="http://schemas.microsoft.com/office/mac/drawingml/2011/main" xmlns="" val="1"/>
             </a:ext>
           </a:extLst>
         </p:spPr>
@@ -13608,7 +13813,7 @@
           <p:cNvPr id="3" name="標題 2">
             <a:extLst>
               <a:ext uri="{FF2B5EF4-FFF2-40B4-BE49-F238E27FC236}">
-                <a16:creationId xmlns:a16="http://schemas.microsoft.com/office/drawing/2014/main" xmlns="" id="{4227DAF2-B84E-4FC9-B97B-13637DBD8058}"/>
+                <a16:creationId xmlns="" xmlns:a16="http://schemas.microsoft.com/office/drawing/2014/main" id="{4227DAF2-B84E-4FC9-B97B-13637DBD8058}"/>
               </a:ext>
             </a:extLst>
           </p:cNvPr>
@@ -13661,7 +13866,7 @@
           <p:cNvPr id="41" name="表格 40">
             <a:extLst>
               <a:ext uri="{FF2B5EF4-FFF2-40B4-BE49-F238E27FC236}">
-                <a16:creationId xmlns:a16="http://schemas.microsoft.com/office/drawing/2014/main" xmlns="" id="{922ADD79-42D7-4F5E-8A8E-A1502258A383}"/>
+                <a16:creationId xmlns="" xmlns:a16="http://schemas.microsoft.com/office/drawing/2014/main" id="{922ADD79-42D7-4F5E-8A8E-A1502258A383}"/>
               </a:ext>
             </a:extLst>
           </p:cNvPr>
@@ -13688,35 +13893,35 @@
                 <a:gridCol w="981080">
                   <a:extLst>
                     <a:ext uri="{9D8B030D-6E8A-4147-A177-3AD203B41FA5}">
-                      <a16:colId xmlns:a16="http://schemas.microsoft.com/office/drawing/2014/main" xmlns="" val="20000"/>
+                      <a16:colId xmlns="" xmlns:a16="http://schemas.microsoft.com/office/drawing/2014/main" val="20000"/>
                     </a:ext>
                   </a:extLst>
                 </a:gridCol>
                 <a:gridCol w="2682335">
                   <a:extLst>
                     <a:ext uri="{9D8B030D-6E8A-4147-A177-3AD203B41FA5}">
-                      <a16:colId xmlns:a16="http://schemas.microsoft.com/office/drawing/2014/main" xmlns="" val="20001"/>
+                      <a16:colId xmlns="" xmlns:a16="http://schemas.microsoft.com/office/drawing/2014/main" val="20001"/>
                     </a:ext>
                   </a:extLst>
                 </a:gridCol>
                 <a:gridCol w="954389">
                   <a:extLst>
                     <a:ext uri="{9D8B030D-6E8A-4147-A177-3AD203B41FA5}">
-                      <a16:colId xmlns:a16="http://schemas.microsoft.com/office/drawing/2014/main" xmlns="" val="20002"/>
+                      <a16:colId xmlns="" xmlns:a16="http://schemas.microsoft.com/office/drawing/2014/main" val="20002"/>
                     </a:ext>
                   </a:extLst>
                 </a:gridCol>
                 <a:gridCol w="1154516">
                   <a:extLst>
                     <a:ext uri="{9D8B030D-6E8A-4147-A177-3AD203B41FA5}">
-                      <a16:colId xmlns:a16="http://schemas.microsoft.com/office/drawing/2014/main" xmlns="" val="20003"/>
+                      <a16:colId xmlns="" xmlns:a16="http://schemas.microsoft.com/office/drawing/2014/main" val="20003"/>
                     </a:ext>
                   </a:extLst>
                 </a:gridCol>
                 <a:gridCol w="1064259">
                   <a:extLst>
                     <a:ext uri="{9D8B030D-6E8A-4147-A177-3AD203B41FA5}">
-                      <a16:colId xmlns:a16="http://schemas.microsoft.com/office/drawing/2014/main" xmlns="" val="20004"/>
+                      <a16:colId xmlns="" xmlns:a16="http://schemas.microsoft.com/office/drawing/2014/main" val="20004"/>
                     </a:ext>
                   </a:extLst>
                 </a:gridCol>
@@ -14837,7 +15042,7 @@
                 </a:tc>
                 <a:extLst>
                   <a:ext uri="{0D108BD9-81ED-4DB2-BD59-A6C34878D82A}">
-                    <a16:rowId xmlns:a16="http://schemas.microsoft.com/office/drawing/2014/main" xmlns="" val="10000"/>
+                    <a16:rowId xmlns="" xmlns:a16="http://schemas.microsoft.com/office/drawing/2014/main" val="10000"/>
                   </a:ext>
                 </a:extLst>
               </a:tr>
@@ -16005,7 +16210,7 @@
                 </a:tc>
                 <a:extLst>
                   <a:ext uri="{0D108BD9-81ED-4DB2-BD59-A6C34878D82A}">
-                    <a16:rowId xmlns:a16="http://schemas.microsoft.com/office/drawing/2014/main" xmlns="" val="10001"/>
+                    <a16:rowId xmlns="" xmlns:a16="http://schemas.microsoft.com/office/drawing/2014/main" val="10001"/>
                   </a:ext>
                 </a:extLst>
               </a:tr>
@@ -17261,7 +17466,7 @@
                 </a:tc>
                 <a:extLst>
                   <a:ext uri="{0D108BD9-81ED-4DB2-BD59-A6C34878D82A}">
-                    <a16:rowId xmlns:a16="http://schemas.microsoft.com/office/drawing/2014/main" xmlns="" val="10002"/>
+                    <a16:rowId xmlns="" xmlns:a16="http://schemas.microsoft.com/office/drawing/2014/main" val="10002"/>
                   </a:ext>
                 </a:extLst>
               </a:tr>
@@ -18468,7 +18673,7 @@
                 </a:tc>
                 <a:extLst>
                   <a:ext uri="{0D108BD9-81ED-4DB2-BD59-A6C34878D82A}">
-                    <a16:rowId xmlns:a16="http://schemas.microsoft.com/office/drawing/2014/main" xmlns="" val="10003"/>
+                    <a16:rowId xmlns="" xmlns:a16="http://schemas.microsoft.com/office/drawing/2014/main" val="10003"/>
                   </a:ext>
                 </a:extLst>
               </a:tr>
@@ -18481,7 +18686,7 @@
           <p:cNvPr id="23587" name="群組 41">
             <a:extLst>
               <a:ext uri="{FF2B5EF4-FFF2-40B4-BE49-F238E27FC236}">
-                <a16:creationId xmlns:a16="http://schemas.microsoft.com/office/drawing/2014/main" xmlns="" id="{7F2B0191-01A0-479B-82AC-899D03E495D3}"/>
+                <a16:creationId xmlns="" xmlns:a16="http://schemas.microsoft.com/office/drawing/2014/main" id="{7F2B0191-01A0-479B-82AC-899D03E495D3}"/>
               </a:ext>
             </a:extLst>
           </p:cNvPr>
@@ -18503,7 +18708,7 @@
             <p:cNvPr id="43" name="Picture 4" descr="ç¸éåç">
               <a:extLst>
                 <a:ext uri="{FF2B5EF4-FFF2-40B4-BE49-F238E27FC236}">
-                  <a16:creationId xmlns:a16="http://schemas.microsoft.com/office/drawing/2014/main" xmlns="" id="{DF3AB7AD-BD4A-4D19-BB04-464DAB648FE6}"/>
+                  <a16:creationId xmlns="" xmlns:a16="http://schemas.microsoft.com/office/drawing/2014/main" id="{DF3AB7AD-BD4A-4D19-BB04-464DAB648FE6}"/>
                 </a:ext>
               </a:extLst>
             </p:cNvPr>
@@ -18557,7 +18762,7 @@
             <p:cNvPr id="44" name="文字方塊 43">
               <a:extLst>
                 <a:ext uri="{FF2B5EF4-FFF2-40B4-BE49-F238E27FC236}">
-                  <a16:creationId xmlns:a16="http://schemas.microsoft.com/office/drawing/2014/main" xmlns="" id="{4AF51BF5-AAE3-4A4F-84D4-FA0DE47A6502}"/>
+                  <a16:creationId xmlns="" xmlns:a16="http://schemas.microsoft.com/office/drawing/2014/main" id="{4AF51BF5-AAE3-4A4F-84D4-FA0DE47A6502}"/>
                 </a:ext>
               </a:extLst>
             </p:cNvPr>
@@ -18615,7 +18820,7 @@
           <p:cNvPr id="23588" name="群組 44">
             <a:extLst>
               <a:ext uri="{FF2B5EF4-FFF2-40B4-BE49-F238E27FC236}">
-                <a16:creationId xmlns:a16="http://schemas.microsoft.com/office/drawing/2014/main" xmlns="" id="{638747B0-0EB3-471D-8926-DD26E0ACB1D8}"/>
+                <a16:creationId xmlns="" xmlns:a16="http://schemas.microsoft.com/office/drawing/2014/main" id="{638747B0-0EB3-471D-8926-DD26E0ACB1D8}"/>
               </a:ext>
             </a:extLst>
           </p:cNvPr>
@@ -18637,7 +18842,7 @@
             <p:cNvPr id="23597" name="Picture 4" descr="ç¸éåç">
               <a:extLst>
                 <a:ext uri="{FF2B5EF4-FFF2-40B4-BE49-F238E27FC236}">
-                  <a16:creationId xmlns:a16="http://schemas.microsoft.com/office/drawing/2014/main" xmlns="" id="{15CBB71E-C748-41A7-9A06-E620B839FAB3}"/>
+                  <a16:creationId xmlns="" xmlns:a16="http://schemas.microsoft.com/office/drawing/2014/main" id="{15CBB71E-C748-41A7-9A06-E620B839FAB3}"/>
                 </a:ext>
               </a:extLst>
             </p:cNvPr>
@@ -18697,7 +18902,7 @@
             <p:cNvPr id="23598" name="文字方塊 46">
               <a:extLst>
                 <a:ext uri="{FF2B5EF4-FFF2-40B4-BE49-F238E27FC236}">
-                  <a16:creationId xmlns:a16="http://schemas.microsoft.com/office/drawing/2014/main" xmlns="" id="{181C0C32-AC6B-4FDA-9F82-00E2C890983C}"/>
+                  <a16:creationId xmlns="" xmlns:a16="http://schemas.microsoft.com/office/drawing/2014/main" id="{181C0C32-AC6B-4FDA-9F82-00E2C890983C}"/>
                 </a:ext>
               </a:extLst>
             </p:cNvPr>
@@ -18875,7 +19080,7 @@
           <p:cNvPr id="23589" name="群組 47">
             <a:extLst>
               <a:ext uri="{FF2B5EF4-FFF2-40B4-BE49-F238E27FC236}">
-                <a16:creationId xmlns:a16="http://schemas.microsoft.com/office/drawing/2014/main" xmlns="" id="{DF7813CD-5F51-4F0C-A377-BD290D97C38F}"/>
+                <a16:creationId xmlns="" xmlns:a16="http://schemas.microsoft.com/office/drawing/2014/main" id="{DF7813CD-5F51-4F0C-A377-BD290D97C38F}"/>
               </a:ext>
             </a:extLst>
           </p:cNvPr>
@@ -18897,7 +19102,7 @@
             <p:cNvPr id="49" name="Picture 4" descr="ç¸éåç">
               <a:extLst>
                 <a:ext uri="{FF2B5EF4-FFF2-40B4-BE49-F238E27FC236}">
-                  <a16:creationId xmlns:a16="http://schemas.microsoft.com/office/drawing/2014/main" xmlns="" id="{CE09CE95-C926-4D3C-BC87-548AF10AF960}"/>
+                  <a16:creationId xmlns="" xmlns:a16="http://schemas.microsoft.com/office/drawing/2014/main" id="{CE09CE95-C926-4D3C-BC87-548AF10AF960}"/>
                 </a:ext>
               </a:extLst>
             </p:cNvPr>
@@ -18951,7 +19156,7 @@
             <p:cNvPr id="50" name="Picture 4" descr="ç¸éåç">
               <a:extLst>
                 <a:ext uri="{FF2B5EF4-FFF2-40B4-BE49-F238E27FC236}">
-                  <a16:creationId xmlns:a16="http://schemas.microsoft.com/office/drawing/2014/main" xmlns="" id="{054E9AB6-5211-4EF6-8C98-663F34A76021}"/>
+                  <a16:creationId xmlns="" xmlns:a16="http://schemas.microsoft.com/office/drawing/2014/main" id="{054E9AB6-5211-4EF6-8C98-663F34A76021}"/>
                 </a:ext>
               </a:extLst>
             </p:cNvPr>
@@ -19005,7 +19210,7 @@
             <p:cNvPr id="51" name="Picture 4" descr="ç¸éåç">
               <a:extLst>
                 <a:ext uri="{FF2B5EF4-FFF2-40B4-BE49-F238E27FC236}">
-                  <a16:creationId xmlns:a16="http://schemas.microsoft.com/office/drawing/2014/main" xmlns="" id="{EEA31654-86FB-4D75-A6BE-D62272237480}"/>
+                  <a16:creationId xmlns="" xmlns:a16="http://schemas.microsoft.com/office/drawing/2014/main" id="{EEA31654-86FB-4D75-A6BE-D62272237480}"/>
                 </a:ext>
               </a:extLst>
             </p:cNvPr>
@@ -19059,7 +19264,7 @@
             <p:cNvPr id="52" name="文字方塊 51">
               <a:extLst>
                 <a:ext uri="{FF2B5EF4-FFF2-40B4-BE49-F238E27FC236}">
-                  <a16:creationId xmlns:a16="http://schemas.microsoft.com/office/drawing/2014/main" xmlns="" id="{06BA4392-DE0F-457B-ACE8-EDDC8C2917A4}"/>
+                  <a16:creationId xmlns="" xmlns:a16="http://schemas.microsoft.com/office/drawing/2014/main" id="{06BA4392-DE0F-457B-ACE8-EDDC8C2917A4}"/>
                 </a:ext>
               </a:extLst>
             </p:cNvPr>
@@ -19116,7 +19321,7 @@
             <p:cNvPr id="53" name="文字方塊 52">
               <a:extLst>
                 <a:ext uri="{FF2B5EF4-FFF2-40B4-BE49-F238E27FC236}">
-                  <a16:creationId xmlns:a16="http://schemas.microsoft.com/office/drawing/2014/main" xmlns="" id="{5960EAF7-AF31-45F8-8053-CCFBF47744B5}"/>
+                  <a16:creationId xmlns="" xmlns:a16="http://schemas.microsoft.com/office/drawing/2014/main" id="{5960EAF7-AF31-45F8-8053-CCFBF47744B5}"/>
                 </a:ext>
               </a:extLst>
             </p:cNvPr>
@@ -19173,7 +19378,7 @@
             <p:cNvPr id="54" name="文字方塊 53">
               <a:extLst>
                 <a:ext uri="{FF2B5EF4-FFF2-40B4-BE49-F238E27FC236}">
-                  <a16:creationId xmlns:a16="http://schemas.microsoft.com/office/drawing/2014/main" xmlns="" id="{41A99D9B-465F-4EBA-B353-061EDD427AD3}"/>
+                  <a16:creationId xmlns="" xmlns:a16="http://schemas.microsoft.com/office/drawing/2014/main" id="{41A99D9B-465F-4EBA-B353-061EDD427AD3}"/>
                 </a:ext>
               </a:extLst>
             </p:cNvPr>
@@ -19231,7 +19436,7 @@
           <p:cNvPr id="23590" name="文字方塊 54">
             <a:extLst>
               <a:ext uri="{FF2B5EF4-FFF2-40B4-BE49-F238E27FC236}">
-                <a16:creationId xmlns:a16="http://schemas.microsoft.com/office/drawing/2014/main" xmlns="" id="{C27040CE-603E-4A82-AD42-7398483FD476}"/>
+                <a16:creationId xmlns="" xmlns:a16="http://schemas.microsoft.com/office/drawing/2014/main" id="{C27040CE-603E-4A82-AD42-7398483FD476}"/>
               </a:ext>
             </a:extLst>
           </p:cNvPr>
@@ -19987,7 +20192,7 @@
           <p:cNvPr id="27650" name="文字方塊 2">
             <a:extLst>
               <a:ext uri="{FF2B5EF4-FFF2-40B4-BE49-F238E27FC236}">
-                <a16:creationId xmlns:a16="http://schemas.microsoft.com/office/drawing/2014/main" xmlns="" id="{9AC43630-41C7-41A2-BDAB-5794F82C20F4}"/>
+                <a16:creationId xmlns="" xmlns:a16="http://schemas.microsoft.com/office/drawing/2014/main" id="{9AC43630-41C7-41A2-BDAB-5794F82C20F4}"/>
               </a:ext>
             </a:extLst>
           </p:cNvPr>

--- a/courses/Data Server_v0.5_Zach.pptx
+++ b/courses/Data Server_v0.5_Zach.pptx
@@ -9083,15 +9083,7 @@
             <a:pPr lvl="1"/>
             <a:r>
               <a:rPr lang="en-US" altLang="zh-TW" dirty="0" smtClean="0"/>
-              <a:t>A tool that makes it easy to run </a:t>
-            </a:r>
-            <a:r>
-              <a:rPr lang="en-US" altLang="zh-TW" dirty="0" err="1" smtClean="0"/>
-              <a:t>Kubernetes</a:t>
-            </a:r>
-            <a:r>
-              <a:rPr lang="en-US" altLang="zh-TW" dirty="0" smtClean="0"/>
-              <a:t> locally.</a:t>
+              <a:t>A tool that makes it easy to run Kubernetes locally.</a:t>
             </a:r>
           </a:p>
           <a:p>
@@ -9127,15 +9119,7 @@
             </a:r>
             <a:r>
               <a:rPr lang="en-US" altLang="zh-TW" dirty="0"/>
-              <a:t>you create, destroy, upgrade and maintain production-grade, highly available, </a:t>
-            </a:r>
-            <a:r>
-              <a:rPr lang="en-US" altLang="zh-TW" dirty="0" err="1"/>
-              <a:t>Kubernetes</a:t>
-            </a:r>
-            <a:r>
-              <a:rPr lang="en-US" altLang="zh-TW" dirty="0"/>
-              <a:t> clusters from the command line</a:t>
+              <a:t>you create, destroy, upgrade and maintain production-grade, highly available, Kubernetes clusters from the command line</a:t>
             </a:r>
             <a:r>
               <a:rPr lang="en-US" altLang="zh-TW" dirty="0" smtClean="0"/>
@@ -9176,15 +9160,7 @@
             </a:r>
             <a:r>
               <a:rPr lang="en-US" altLang="zh-TW" dirty="0"/>
-              <a:t>command line interface for running commands against </a:t>
-            </a:r>
-            <a:r>
-              <a:rPr lang="en-US" altLang="zh-TW" dirty="0" err="1"/>
-              <a:t>Kubernetes</a:t>
-            </a:r>
-            <a:r>
-              <a:rPr lang="en-US" altLang="zh-TW" dirty="0"/>
-              <a:t> clusters</a:t>
+              <a:t>command line interface for running commands against Kubernetes clusters</a:t>
             </a:r>
             <a:r>
               <a:rPr lang="en-US" altLang="zh-TW" dirty="0" smtClean="0"/>
@@ -9362,15 +9338,7 @@
             </a:pPr>
             <a:r>
               <a:rPr lang="en-US" sz="2400" dirty="0" smtClean="0"/>
-              <a:t>Making container-based applications easier to deploy on </a:t>
-            </a:r>
-            <a:r>
-              <a:rPr lang="en-US" sz="2400" dirty="0" err="1" smtClean="0"/>
-              <a:t>Kubernetes</a:t>
-            </a:r>
-            <a:r>
-              <a:rPr lang="en-US" sz="2400" dirty="0" smtClean="0"/>
-              <a:t>. </a:t>
+              <a:t>Making container-based applications easier to deploy on Kubernetes. </a:t>
             </a:r>
           </a:p>
           <a:p>
@@ -9383,15 +9351,7 @@
             </a:r>
             <a:r>
               <a:rPr lang="en-US" sz="2400" dirty="0"/>
-              <a:t>a package manager for </a:t>
-            </a:r>
-            <a:r>
-              <a:rPr lang="en-US" sz="2400" dirty="0" err="1"/>
-              <a:t>Kubernetes</a:t>
-            </a:r>
-            <a:r>
-              <a:rPr lang="en-US" sz="2400" dirty="0"/>
-              <a:t> applications</a:t>
+              <a:t>a package manager for Kubernetes applications</a:t>
             </a:r>
             <a:r>
               <a:rPr lang="en-US" sz="2400" dirty="0" smtClean="0"/>
@@ -11221,7 +11181,7 @@
           <p:nvPr>
             <p:extLst>
               <p:ext uri="{D42A27DB-BD31-4B8C-83A1-F6EECF244321}">
-                <p14:modId xmlns:p14="http://schemas.microsoft.com/office/powerpoint/2010/main" val="1533830051"/>
+                <p14:modId xmlns:p14="http://schemas.microsoft.com/office/powerpoint/2010/main" val="573759743"/>
               </p:ext>
             </p:extLst>
           </p:nvPr>
@@ -11274,8 +11234,8 @@
                     <a:p>
                       <a:pPr algn="ctr"/>
                       <a:r>
-                        <a:rPr lang="en-US" altLang="zh-TW" sz="1000" dirty="0"/>
-                        <a:t>Component</a:t>
+                        <a:rPr lang="en-US" altLang="zh-TW" sz="1000" dirty="0" smtClean="0"/>
+                        <a:t>Components</a:t>
                       </a:r>
                       <a:endParaRPr lang="zh-TW" altLang="en-US" sz="1000" dirty="0"/>
                     </a:p>
@@ -11293,8 +11253,8 @@
                     <a:p>
                       <a:pPr algn="ctr"/>
                       <a:r>
-                        <a:rPr lang="en-US" altLang="zh-TW" sz="1000" dirty="0"/>
-                        <a:t>Service</a:t>
+                        <a:rPr lang="en-US" altLang="zh-TW" sz="1000" dirty="0" smtClean="0"/>
+                        <a:t>Services</a:t>
                       </a:r>
                       <a:endParaRPr lang="zh-TW" altLang="en-US" sz="1000" dirty="0"/>
                     </a:p>
@@ -11513,7 +11473,7 @@
                     <a:p>
                       <a:pPr algn="l"/>
                       <a:r>
-                        <a:rPr lang="en-US" altLang="zh-TW" sz="1000" dirty="0" err="1" smtClean="0"/>
+                        <a:rPr lang="en-US" altLang="zh-TW" sz="1000" dirty="0" smtClean="0"/>
                         <a:t>Kubernetes</a:t>
                       </a:r>
                       <a:endParaRPr lang="zh-TW" altLang="en-US" sz="1000" dirty="0"/>
@@ -11686,7 +11646,7 @@
                     <a:p>
                       <a:pPr algn="l"/>
                       <a:r>
-                        <a:rPr lang="en-US" altLang="zh-TW" sz="1000" dirty="0" err="1"/>
+                        <a:rPr lang="en-US" altLang="zh-TW" sz="1000" dirty="0"/>
                         <a:t>IoTHub</a:t>
                       </a:r>
                       <a:endParaRPr lang="zh-TW" altLang="en-US" sz="1000" dirty="0"/>
@@ -11754,7 +11714,11 @@
                       <a:pPr algn="l"/>
                       <a:r>
                         <a:rPr lang="en-US" altLang="zh-TW" sz="1000" dirty="0"/>
-                        <a:t>S3 Storage</a:t>
+                        <a:t>S3 </a:t>
+                      </a:r>
+                      <a:r>
+                        <a:rPr lang="en-US" altLang="zh-TW" sz="1000" dirty="0" smtClean="0"/>
+                        <a:t>Compatible Storage</a:t>
                       </a:r>
                       <a:endParaRPr lang="zh-TW" altLang="en-US" sz="1000" dirty="0"/>
                     </a:p>
@@ -12040,7 +12004,7 @@
                     <a:p>
                       <a:pPr algn="l"/>
                       <a:r>
-                        <a:rPr lang="en-US" altLang="zh-TW" sz="1000" dirty="0" err="1" smtClean="0"/>
+                        <a:rPr lang="en-US" altLang="zh-TW" sz="1000" dirty="0" smtClean="0"/>
                         <a:t>CoreDNS</a:t>
                       </a:r>
                       <a:endParaRPr lang="zh-TW" altLang="en-US" sz="1000" dirty="0"/>
@@ -12123,7 +12087,7 @@
                         <a:defRPr/>
                       </a:pPr>
                       <a:r>
-                        <a:rPr lang="en-US" altLang="zh-TW" sz="1000" dirty="0" err="1" smtClean="0"/>
+                        <a:rPr lang="en-US" altLang="zh-TW" sz="1000" dirty="0" smtClean="0"/>
                         <a:t>Chartmuseum</a:t>
                       </a:r>
                       <a:endParaRPr lang="zh-TW" altLang="en-US" sz="1000" dirty="0" smtClean="0"/>
@@ -12385,7 +12349,7 @@
           <a:p>
             <a:pPr lvl="1"/>
             <a:r>
-              <a:rPr lang="en-US" altLang="zh-TW" sz="1400" b="1" smtClean="0"/>
+              <a:rPr lang="en-US" altLang="zh-TW" sz="1400" b="1" dirty="0" smtClean="0"/>
               <a:t>2T/10T</a:t>
             </a:r>
             <a:endParaRPr lang="en-US" altLang="zh-TW" sz="1400" dirty="0"/>
@@ -21431,11 +21395,7 @@
             <a:pPr algn="ctr"/>
             <a:r>
               <a:rPr lang="en-US" altLang="zh-TW" sz="2600" dirty="0" smtClean="0"/>
-              <a:t>Essential Concepts In </a:t>
-            </a:r>
-            <a:r>
-              <a:rPr lang="en-US" altLang="zh-TW" sz="2600" dirty="0" err="1" smtClean="0"/>
-              <a:t>Kubernetes</a:t>
+              <a:t>Essential Concepts In Kubernetes</a:t>
             </a:r>
             <a:endParaRPr lang="zh-TW" altLang="en-US" sz="2600" dirty="0"/>
           </a:p>

--- a/courses/Data Server_v0.5_Zach.pptx
+++ b/courses/Data Server_v0.5_Zach.pptx
@@ -161,7 +161,7 @@
   </p:defaultTextStyle>
   <p:extLst>
     <p:ext uri="{EFAFB233-063F-42B5-8137-9DF3F51BA10A}">
-      <p15:sldGuideLst xmlns="" xmlns:p15="http://schemas.microsoft.com/office/powerpoint/2012/main">
+      <p15:sldGuideLst xmlns:p15="http://schemas.microsoft.com/office/powerpoint/2012/main" xmlns="">
         <p15:guide id="1" orient="horz" pos="1620">
           <p15:clr>
             <a:srgbClr val="A4A3A4"/>
@@ -175,7 +175,7 @@
       </p15:sldGuideLst>
     </p:ext>
     <p:ext uri="{2D200454-40CA-4A62-9FC3-DE9A4176ACB9}">
-      <p15:notesGuideLst xmlns="" xmlns:p15="http://schemas.microsoft.com/office/powerpoint/2012/main">
+      <p15:notesGuideLst xmlns:p15="http://schemas.microsoft.com/office/powerpoint/2012/main" xmlns="">
         <p15:guide id="1" orient="horz" pos="3223">
           <p15:clr>
             <a:srgbClr val="A4A3A4"/>
@@ -1045,7 +1045,7 @@
           <p:cNvPr id="109570" name="Rectangle 2">
             <a:extLst>
               <a:ext uri="{FF2B5EF4-FFF2-40B4-BE49-F238E27FC236}">
-                <a16:creationId xmlns="" xmlns:a16="http://schemas.microsoft.com/office/drawing/2014/main" id="{F66ADEB7-C71D-4A2A-AE37-F2408BE12F81}"/>
+                <a16:creationId xmlns:a16="http://schemas.microsoft.com/office/drawing/2014/main" xmlns="" id="{F66ADEB7-C71D-4A2A-AE37-F2408BE12F81}"/>
               </a:ext>
             </a:extLst>
           </p:cNvPr>
@@ -1099,7 +1099,7 @@
           <p:cNvPr id="109571" name="Rectangle 3">
             <a:extLst>
               <a:ext uri="{FF2B5EF4-FFF2-40B4-BE49-F238E27FC236}">
-                <a16:creationId xmlns="" xmlns:a16="http://schemas.microsoft.com/office/drawing/2014/main" id="{970CDE8E-2E9F-4100-8398-5D1A886A3C33}"/>
+                <a16:creationId xmlns:a16="http://schemas.microsoft.com/office/drawing/2014/main" xmlns="" id="{970CDE8E-2E9F-4100-8398-5D1A886A3C33}"/>
               </a:ext>
             </a:extLst>
           </p:cNvPr>
@@ -1153,7 +1153,7 @@
           <p:cNvPr id="109572" name="Rectangle 4">
             <a:extLst>
               <a:ext uri="{FF2B5EF4-FFF2-40B4-BE49-F238E27FC236}">
-                <a16:creationId xmlns="" xmlns:a16="http://schemas.microsoft.com/office/drawing/2014/main" id="{908C6474-D420-4814-9446-74C3139BA9B7}"/>
+                <a16:creationId xmlns:a16="http://schemas.microsoft.com/office/drawing/2014/main" xmlns="" id="{908C6474-D420-4814-9446-74C3139BA9B7}"/>
               </a:ext>
             </a:extLst>
           </p:cNvPr>
@@ -1207,7 +1207,7 @@
           <p:cNvPr id="109573" name="Rectangle 5">
             <a:extLst>
               <a:ext uri="{FF2B5EF4-FFF2-40B4-BE49-F238E27FC236}">
-                <a16:creationId xmlns="" xmlns:a16="http://schemas.microsoft.com/office/drawing/2014/main" id="{2E02C72D-C593-4272-B34F-C1D21BB764EB}"/>
+                <a16:creationId xmlns:a16="http://schemas.microsoft.com/office/drawing/2014/main" xmlns="" id="{2E02C72D-C593-4272-B34F-C1D21BB764EB}"/>
               </a:ext>
             </a:extLst>
           </p:cNvPr>
@@ -1302,7 +1302,7 @@
           <p:cNvPr id="19458" name="Rectangle 2">
             <a:extLst>
               <a:ext uri="{FF2B5EF4-FFF2-40B4-BE49-F238E27FC236}">
-                <a16:creationId xmlns="" xmlns:a16="http://schemas.microsoft.com/office/drawing/2014/main" id="{B534727B-D584-40B3-ABBC-EFE9F65959C4}"/>
+                <a16:creationId xmlns:a16="http://schemas.microsoft.com/office/drawing/2014/main" xmlns="" id="{B534727B-D584-40B3-ABBC-EFE9F65959C4}"/>
               </a:ext>
             </a:extLst>
           </p:cNvPr>
@@ -1356,7 +1356,7 @@
           <p:cNvPr id="19459" name="Rectangle 3">
             <a:extLst>
               <a:ext uri="{FF2B5EF4-FFF2-40B4-BE49-F238E27FC236}">
-                <a16:creationId xmlns="" xmlns:a16="http://schemas.microsoft.com/office/drawing/2014/main" id="{60B24573-A0AA-4EF3-80B3-2BA88C58C0E5}"/>
+                <a16:creationId xmlns:a16="http://schemas.microsoft.com/office/drawing/2014/main" xmlns="" id="{60B24573-A0AA-4EF3-80B3-2BA88C58C0E5}"/>
               </a:ext>
             </a:extLst>
           </p:cNvPr>
@@ -1410,7 +1410,7 @@
           <p:cNvPr id="14340" name="Rectangle 4">
             <a:extLst>
               <a:ext uri="{FF2B5EF4-FFF2-40B4-BE49-F238E27FC236}">
-                <a16:creationId xmlns="" xmlns:a16="http://schemas.microsoft.com/office/drawing/2014/main" id="{461BB6AB-5790-4A31-ADFF-509FCC81F27C}"/>
+                <a16:creationId xmlns:a16="http://schemas.microsoft.com/office/drawing/2014/main" xmlns="" id="{461BB6AB-5790-4A31-ADFF-509FCC81F27C}"/>
               </a:ext>
             </a:extLst>
           </p:cNvPr>
@@ -1454,7 +1454,7 @@
           <p:cNvPr id="19461" name="Rectangle 5">
             <a:extLst>
               <a:ext uri="{FF2B5EF4-FFF2-40B4-BE49-F238E27FC236}">
-                <a16:creationId xmlns="" xmlns:a16="http://schemas.microsoft.com/office/drawing/2014/main" id="{EDBBF793-6E66-4764-A51A-AB086147545B}"/>
+                <a16:creationId xmlns:a16="http://schemas.microsoft.com/office/drawing/2014/main" xmlns="" id="{EDBBF793-6E66-4764-A51A-AB086147545B}"/>
               </a:ext>
             </a:extLst>
           </p:cNvPr>
@@ -1531,7 +1531,7 @@
           <p:cNvPr id="19462" name="Rectangle 6">
             <a:extLst>
               <a:ext uri="{FF2B5EF4-FFF2-40B4-BE49-F238E27FC236}">
-                <a16:creationId xmlns="" xmlns:a16="http://schemas.microsoft.com/office/drawing/2014/main" id="{8088CA22-91FC-4B05-B4B3-E1941887CCD1}"/>
+                <a16:creationId xmlns:a16="http://schemas.microsoft.com/office/drawing/2014/main" xmlns="" id="{8088CA22-91FC-4B05-B4B3-E1941887CCD1}"/>
               </a:ext>
             </a:extLst>
           </p:cNvPr>
@@ -1585,7 +1585,7 @@
           <p:cNvPr id="19463" name="Rectangle 7">
             <a:extLst>
               <a:ext uri="{FF2B5EF4-FFF2-40B4-BE49-F238E27FC236}">
-                <a16:creationId xmlns="" xmlns:a16="http://schemas.microsoft.com/office/drawing/2014/main" id="{E1AB954F-8570-48DA-85A8-7E8060C3A16B}"/>
+                <a16:creationId xmlns:a16="http://schemas.microsoft.com/office/drawing/2014/main" xmlns="" id="{E1AB954F-8570-48DA-85A8-7E8060C3A16B}"/>
               </a:ext>
             </a:extLst>
           </p:cNvPr>
@@ -1794,7 +1794,7 @@
           <p:cNvPr id="17410" name="Rectangle 7">
             <a:extLst>
               <a:ext uri="{FF2B5EF4-FFF2-40B4-BE49-F238E27FC236}">
-                <a16:creationId xmlns="" xmlns:a16="http://schemas.microsoft.com/office/drawing/2014/main" id="{8C25F377-F30D-4578-9541-BACF99834607}"/>
+                <a16:creationId xmlns:a16="http://schemas.microsoft.com/office/drawing/2014/main" xmlns="" id="{8C25F377-F30D-4578-9541-BACF99834607}"/>
               </a:ext>
             </a:extLst>
           </p:cNvPr>
@@ -1980,7 +1980,7 @@
           <p:cNvPr id="17411" name="Rectangle 2">
             <a:extLst>
               <a:ext uri="{FF2B5EF4-FFF2-40B4-BE49-F238E27FC236}">
-                <a16:creationId xmlns="" xmlns:a16="http://schemas.microsoft.com/office/drawing/2014/main" id="{FF9306D6-8984-4893-81A9-4DA5443880D3}"/>
+                <a16:creationId xmlns:a16="http://schemas.microsoft.com/office/drawing/2014/main" xmlns="" id="{FF9306D6-8984-4893-81A9-4DA5443880D3}"/>
               </a:ext>
             </a:extLst>
           </p:cNvPr>
@@ -2000,7 +2000,7 @@
           <p:cNvPr id="17412" name="Rectangle 3">
             <a:extLst>
               <a:ext uri="{FF2B5EF4-FFF2-40B4-BE49-F238E27FC236}">
-                <a16:creationId xmlns="" xmlns:a16="http://schemas.microsoft.com/office/drawing/2014/main" id="{1D51EF7D-C609-4C22-9877-C5BF5CEC2377}"/>
+                <a16:creationId xmlns:a16="http://schemas.microsoft.com/office/drawing/2014/main" xmlns="" id="{1D51EF7D-C609-4C22-9877-C5BF5CEC2377}"/>
               </a:ext>
             </a:extLst>
           </p:cNvPr>
@@ -3789,7 +3789,7 @@
           <p:cNvPr id="4" name="圖片 1">
             <a:extLst>
               <a:ext uri="{FF2B5EF4-FFF2-40B4-BE49-F238E27FC236}">
-                <a16:creationId xmlns="" xmlns:a16="http://schemas.microsoft.com/office/drawing/2014/main" id="{5100C303-35D1-4BD7-A49E-0155CBC5B328}"/>
+                <a16:creationId xmlns:a16="http://schemas.microsoft.com/office/drawing/2014/main" xmlns="" id="{5100C303-35D1-4BD7-A49E-0155CBC5B328}"/>
               </a:ext>
             </a:extLst>
           </p:cNvPr>
@@ -3962,7 +3962,7 @@
           <p:cNvPr id="3" name="圖片 1">
             <a:extLst>
               <a:ext uri="{FF2B5EF4-FFF2-40B4-BE49-F238E27FC236}">
-                <a16:creationId xmlns="" xmlns:a16="http://schemas.microsoft.com/office/drawing/2014/main" id="{DCC891AB-8D64-41BF-9EAB-9BA14373ADDA}"/>
+                <a16:creationId xmlns:a16="http://schemas.microsoft.com/office/drawing/2014/main" xmlns="" id="{DCC891AB-8D64-41BF-9EAB-9BA14373ADDA}"/>
               </a:ext>
             </a:extLst>
           </p:cNvPr>
@@ -4074,7 +4074,7 @@
           <p:cNvPr id="2" name="圖片 7">
             <a:extLst>
               <a:ext uri="{FF2B5EF4-FFF2-40B4-BE49-F238E27FC236}">
-                <a16:creationId xmlns="" xmlns:a16="http://schemas.microsoft.com/office/drawing/2014/main" id="{A10E8D99-7434-4CDD-A243-E2CF3A4E121B}"/>
+                <a16:creationId xmlns:a16="http://schemas.microsoft.com/office/drawing/2014/main" xmlns="" id="{A10E8D99-7434-4CDD-A243-E2CF3A4E121B}"/>
               </a:ext>
             </a:extLst>
           </p:cNvPr>
@@ -4238,7 +4238,7 @@
           <p:cNvPr id="4" name="圖片 1">
             <a:extLst>
               <a:ext uri="{FF2B5EF4-FFF2-40B4-BE49-F238E27FC236}">
-                <a16:creationId xmlns="" xmlns:a16="http://schemas.microsoft.com/office/drawing/2014/main" id="{929FA03C-DA11-40C5-A300-F7BA86165A18}"/>
+                <a16:creationId xmlns:a16="http://schemas.microsoft.com/office/drawing/2014/main" xmlns="" id="{929FA03C-DA11-40C5-A300-F7BA86165A18}"/>
               </a:ext>
             </a:extLst>
           </p:cNvPr>
@@ -4518,7 +4518,7 @@
           <p:cNvPr id="5" name="圖片 1">
             <a:extLst>
               <a:ext uri="{FF2B5EF4-FFF2-40B4-BE49-F238E27FC236}">
-                <a16:creationId xmlns="" xmlns:a16="http://schemas.microsoft.com/office/drawing/2014/main" id="{FE7252CD-07A3-42AA-B7D1-BF8DBAD9E692}"/>
+                <a16:creationId xmlns:a16="http://schemas.microsoft.com/office/drawing/2014/main" xmlns="" id="{FE7252CD-07A3-42AA-B7D1-BF8DBAD9E692}"/>
               </a:ext>
             </a:extLst>
           </p:cNvPr>
@@ -4937,7 +4937,7 @@
           <p:cNvPr id="7" name="圖片 1">
             <a:extLst>
               <a:ext uri="{FF2B5EF4-FFF2-40B4-BE49-F238E27FC236}">
-                <a16:creationId xmlns="" xmlns:a16="http://schemas.microsoft.com/office/drawing/2014/main" id="{867B2013-D430-4B1F-BEEA-2C52647EA733}"/>
+                <a16:creationId xmlns:a16="http://schemas.microsoft.com/office/drawing/2014/main" xmlns="" id="{867B2013-D430-4B1F-BEEA-2C52647EA733}"/>
               </a:ext>
             </a:extLst>
           </p:cNvPr>
@@ -5049,7 +5049,7 @@
           <p:cNvPr id="3" name="圖片 1">
             <a:extLst>
               <a:ext uri="{FF2B5EF4-FFF2-40B4-BE49-F238E27FC236}">
-                <a16:creationId xmlns="" xmlns:a16="http://schemas.microsoft.com/office/drawing/2014/main" id="{C14B7BE8-D3F3-4E7C-8600-D0BC913582B6}"/>
+                <a16:creationId xmlns:a16="http://schemas.microsoft.com/office/drawing/2014/main" xmlns="" id="{C14B7BE8-D3F3-4E7C-8600-D0BC913582B6}"/>
               </a:ext>
             </a:extLst>
           </p:cNvPr>
@@ -5452,7 +5452,7 @@
           <p:cNvPr id="4" name="圖片 1">
             <a:extLst>
               <a:ext uri="{FF2B5EF4-FFF2-40B4-BE49-F238E27FC236}">
-                <a16:creationId xmlns="" xmlns:a16="http://schemas.microsoft.com/office/drawing/2014/main" id="{929FA03C-DA11-40C5-A300-F7BA86165A18}"/>
+                <a16:creationId xmlns:a16="http://schemas.microsoft.com/office/drawing/2014/main" xmlns="" id="{929FA03C-DA11-40C5-A300-F7BA86165A18}"/>
               </a:ext>
             </a:extLst>
           </p:cNvPr>
@@ -5629,7 +5629,7 @@
           <p:cNvPr id="5" name="圖片 1">
             <a:extLst>
               <a:ext uri="{FF2B5EF4-FFF2-40B4-BE49-F238E27FC236}">
-                <a16:creationId xmlns="" xmlns:a16="http://schemas.microsoft.com/office/drawing/2014/main" id="{FE7252CD-07A3-42AA-B7D1-BF8DBAD9E692}"/>
+                <a16:creationId xmlns:a16="http://schemas.microsoft.com/office/drawing/2014/main" xmlns="" id="{FE7252CD-07A3-42AA-B7D1-BF8DBAD9E692}"/>
               </a:ext>
             </a:extLst>
           </p:cNvPr>
@@ -5915,7 +5915,7 @@
           <p:cNvPr id="7" name="圖片 1">
             <a:extLst>
               <a:ext uri="{FF2B5EF4-FFF2-40B4-BE49-F238E27FC236}">
-                <a16:creationId xmlns="" xmlns:a16="http://schemas.microsoft.com/office/drawing/2014/main" id="{867B2013-D430-4B1F-BEEA-2C52647EA733}"/>
+                <a16:creationId xmlns:a16="http://schemas.microsoft.com/office/drawing/2014/main" xmlns="" id="{867B2013-D430-4B1F-BEEA-2C52647EA733}"/>
               </a:ext>
             </a:extLst>
           </p:cNvPr>
@@ -6329,7 +6329,7 @@
           <p:cNvPr id="3" name="圖片 1">
             <a:extLst>
               <a:ext uri="{FF2B5EF4-FFF2-40B4-BE49-F238E27FC236}">
-                <a16:creationId xmlns="" xmlns:a16="http://schemas.microsoft.com/office/drawing/2014/main" id="{C14B7BE8-D3F3-4E7C-8600-D0BC913582B6}"/>
+                <a16:creationId xmlns:a16="http://schemas.microsoft.com/office/drawing/2014/main" xmlns="" id="{C14B7BE8-D3F3-4E7C-8600-D0BC913582B6}"/>
               </a:ext>
             </a:extLst>
           </p:cNvPr>
@@ -6471,7 +6471,7 @@
           <p:cNvPr id="5" name="圖片 1">
             <a:extLst>
               <a:ext uri="{FF2B5EF4-FFF2-40B4-BE49-F238E27FC236}">
-                <a16:creationId xmlns="" xmlns:a16="http://schemas.microsoft.com/office/drawing/2014/main" id="{9F17A4E5-5506-44DA-8098-25819D845A5F}"/>
+                <a16:creationId xmlns:a16="http://schemas.microsoft.com/office/drawing/2014/main" xmlns="" id="{9F17A4E5-5506-44DA-8098-25819D845A5F}"/>
               </a:ext>
             </a:extLst>
           </p:cNvPr>
@@ -6741,7 +6741,7 @@
           <p:cNvPr id="5" name="圖片 1">
             <a:extLst>
               <a:ext uri="{FF2B5EF4-FFF2-40B4-BE49-F238E27FC236}">
-                <a16:creationId xmlns="" xmlns:a16="http://schemas.microsoft.com/office/drawing/2014/main" id="{4B83B23B-AD2A-4710-AE0D-A89029B7DAA0}"/>
+                <a16:creationId xmlns:a16="http://schemas.microsoft.com/office/drawing/2014/main" xmlns="" id="{4B83B23B-AD2A-4710-AE0D-A89029B7DAA0}"/>
               </a:ext>
             </a:extLst>
           </p:cNvPr>
@@ -6991,7 +6991,7 @@
           <p:cNvPr id="4" name="圖片 1">
             <a:extLst>
               <a:ext uri="{FF2B5EF4-FFF2-40B4-BE49-F238E27FC236}">
-                <a16:creationId xmlns="" xmlns:a16="http://schemas.microsoft.com/office/drawing/2014/main" id="{5C75D1AC-D7DB-4CE1-9CE7-7EF22BCDFACE}"/>
+                <a16:creationId xmlns:a16="http://schemas.microsoft.com/office/drawing/2014/main" xmlns="" id="{5C75D1AC-D7DB-4CE1-9CE7-7EF22BCDFACE}"/>
               </a:ext>
             </a:extLst>
           </p:cNvPr>
@@ -7162,7 +7162,7 @@
           <p:cNvPr id="1026" name="圖片 7">
             <a:extLst>
               <a:ext uri="{FF2B5EF4-FFF2-40B4-BE49-F238E27FC236}">
-                <a16:creationId xmlns="" xmlns:a16="http://schemas.microsoft.com/office/drawing/2014/main" id="{43A0FC1D-80B7-49BA-85AE-D4FD8D0B332C}"/>
+                <a16:creationId xmlns:a16="http://schemas.microsoft.com/office/drawing/2014/main" xmlns="" id="{43A0FC1D-80B7-49BA-85AE-D4FD8D0B332C}"/>
               </a:ext>
             </a:extLst>
           </p:cNvPr>
@@ -7222,7 +7222,7 @@
           <p:cNvPr id="1027" name="標題版面配置區 1">
             <a:extLst>
               <a:ext uri="{FF2B5EF4-FFF2-40B4-BE49-F238E27FC236}">
-                <a16:creationId xmlns="" xmlns:a16="http://schemas.microsoft.com/office/drawing/2014/main" id="{128E434A-57CF-414A-92B7-A886F4C59E58}"/>
+                <a16:creationId xmlns:a16="http://schemas.microsoft.com/office/drawing/2014/main" xmlns="" id="{128E434A-57CF-414A-92B7-A886F4C59E58}"/>
               </a:ext>
             </a:extLst>
           </p:cNvPr>
@@ -7286,7 +7286,7 @@
           <p:cNvPr id="1028" name="文字版面配置區 2">
             <a:extLst>
               <a:ext uri="{FF2B5EF4-FFF2-40B4-BE49-F238E27FC236}">
-                <a16:creationId xmlns="" xmlns:a16="http://schemas.microsoft.com/office/drawing/2014/main" id="{20EBB4B1-D9E5-4D8B-ACB8-FBC36A52CADE}"/>
+                <a16:creationId xmlns:a16="http://schemas.microsoft.com/office/drawing/2014/main" xmlns="" id="{20EBB4B1-D9E5-4D8B-ACB8-FBC36A52CADE}"/>
               </a:ext>
             </a:extLst>
           </p:cNvPr>
@@ -7378,7 +7378,7 @@
           <p:cNvPr id="4" name="日期版面配置區 3">
             <a:extLst>
               <a:ext uri="{FF2B5EF4-FFF2-40B4-BE49-F238E27FC236}">
-                <a16:creationId xmlns="" xmlns:a16="http://schemas.microsoft.com/office/drawing/2014/main" id="{51E9782F-C3EE-45FC-AF46-D927870F5E94}"/>
+                <a16:creationId xmlns:a16="http://schemas.microsoft.com/office/drawing/2014/main" xmlns="" id="{51E9782F-C3EE-45FC-AF46-D927870F5E94}"/>
               </a:ext>
             </a:extLst>
           </p:cNvPr>
@@ -7421,7 +7421,7 @@
               <a:pPr>
                 <a:defRPr/>
               </a:pPr>
-              <a:t>2019/7/10</a:t>
+              <a:t>2019/7/17</a:t>
             </a:fld>
             <a:endParaRPr lang="zh-TW" altLang="en-US"/>
           </a:p>
@@ -7432,7 +7432,7 @@
           <p:cNvPr id="5" name="頁尾版面配置區 4">
             <a:extLst>
               <a:ext uri="{FF2B5EF4-FFF2-40B4-BE49-F238E27FC236}">
-                <a16:creationId xmlns="" xmlns:a16="http://schemas.microsoft.com/office/drawing/2014/main" id="{1465C54E-4356-427D-8964-71BC036FEFC4}"/>
+                <a16:creationId xmlns:a16="http://schemas.microsoft.com/office/drawing/2014/main" xmlns="" id="{1465C54E-4356-427D-8964-71BC036FEFC4}"/>
               </a:ext>
             </a:extLst>
           </p:cNvPr>
@@ -7479,7 +7479,7 @@
           <p:cNvPr id="6" name="投影片編號版面配置區 5">
             <a:extLst>
               <a:ext uri="{FF2B5EF4-FFF2-40B4-BE49-F238E27FC236}">
-                <a16:creationId xmlns="" xmlns:a16="http://schemas.microsoft.com/office/drawing/2014/main" id="{99C188EA-AF60-41B6-B17E-C10E7AA1DF1C}"/>
+                <a16:creationId xmlns:a16="http://schemas.microsoft.com/office/drawing/2014/main" xmlns="" id="{99C188EA-AF60-41B6-B17E-C10E7AA1DF1C}"/>
               </a:ext>
             </a:extLst>
           </p:cNvPr>
@@ -8116,7 +8116,7 @@
           <p:cNvPr id="4" name="圖片 7">
             <a:extLst>
               <a:ext uri="{FF2B5EF4-FFF2-40B4-BE49-F238E27FC236}">
-                <a16:creationId xmlns="" xmlns:a16="http://schemas.microsoft.com/office/drawing/2014/main" id="{43A0FC1D-80B7-49BA-85AE-D4FD8D0B332C}"/>
+                <a16:creationId xmlns:a16="http://schemas.microsoft.com/office/drawing/2014/main" xmlns="" id="{43A0FC1D-80B7-49BA-85AE-D4FD8D0B332C}"/>
               </a:ext>
             </a:extLst>
           </p:cNvPr>
@@ -8665,7 +8665,7 @@
           <p:cNvPr id="3" name="副標題 2">
             <a:extLst>
               <a:ext uri="{FF2B5EF4-FFF2-40B4-BE49-F238E27FC236}">
-                <a16:creationId xmlns="" xmlns:a16="http://schemas.microsoft.com/office/drawing/2014/main" id="{F3F9AE84-D7B0-4AC9-A986-E81E188CFAD7}"/>
+                <a16:creationId xmlns:a16="http://schemas.microsoft.com/office/drawing/2014/main" xmlns="" id="{F3F9AE84-D7B0-4AC9-A986-E81E188CFAD7}"/>
               </a:ext>
             </a:extLst>
           </p:cNvPr>
@@ -8705,7 +8705,7 @@
           <p:cNvPr id="4" name="Rectangle 3">
             <a:extLst>
               <a:ext uri="{FF2B5EF4-FFF2-40B4-BE49-F238E27FC236}">
-                <a16:creationId xmlns="" xmlns:a16="http://schemas.microsoft.com/office/drawing/2014/main" id="{3794C834-714D-42FC-931B-8FE04ADE49AB}"/>
+                <a16:creationId xmlns:a16="http://schemas.microsoft.com/office/drawing/2014/main" xmlns="" id="{3794C834-714D-42FC-931B-8FE04ADE49AB}"/>
               </a:ext>
             </a:extLst>
           </p:cNvPr>
@@ -9602,7 +9602,7 @@
           <p:cNvPr id="3" name="標題 2">
             <a:extLst>
               <a:ext uri="{FF2B5EF4-FFF2-40B4-BE49-F238E27FC236}">
-                <a16:creationId xmlns="" xmlns:a16="http://schemas.microsoft.com/office/drawing/2014/main" id="{4227DAF2-B84E-4FC9-B97B-13637DBD8058}"/>
+                <a16:creationId xmlns:a16="http://schemas.microsoft.com/office/drawing/2014/main" xmlns="" id="{4227DAF2-B84E-4FC9-B97B-13637DBD8058}"/>
               </a:ext>
             </a:extLst>
           </p:cNvPr>
@@ -9647,7 +9647,7 @@
           <p:cNvPr id="7" name="圖片 6">
             <a:extLst>
               <a:ext uri="{FF2B5EF4-FFF2-40B4-BE49-F238E27FC236}">
-                <a16:creationId xmlns="" xmlns:a16="http://schemas.microsoft.com/office/drawing/2014/main" id="{38E3C2CF-9349-432C-953B-53184EC1FA99}"/>
+                <a16:creationId xmlns:a16="http://schemas.microsoft.com/office/drawing/2014/main" xmlns="" id="{38E3C2CF-9349-432C-953B-53184EC1FA99}"/>
               </a:ext>
             </a:extLst>
           </p:cNvPr>
@@ -10697,7 +10697,7 @@
           <p:cNvPr id="27" name="圖片 1" descr="https://advcloudfiles.advantech.com/wise-paas-marketplace/Logo/logo_DeviceOn.png">
             <a:extLst>
               <a:ext uri="{FF2B5EF4-FFF2-40B4-BE49-F238E27FC236}">
-                <a16:creationId xmlns:a16="http://schemas.microsoft.com/office/drawing/2014/main" xmlns="" id="{6C19CC9D-DB80-47A5-BEFD-8C7525233041}"/>
+                <a16:creationId xmlns="" xmlns:a16="http://schemas.microsoft.com/office/drawing/2014/main" id="{6C19CC9D-DB80-47A5-BEFD-8C7525233041}"/>
               </a:ext>
             </a:extLst>
           </p:cNvPr>
@@ -11130,7 +11130,7 @@
           <p:cNvPr id="3" name="標題 2">
             <a:extLst>
               <a:ext uri="{FF2B5EF4-FFF2-40B4-BE49-F238E27FC236}">
-                <a16:creationId xmlns="" xmlns:a16="http://schemas.microsoft.com/office/drawing/2014/main" id="{4227DAF2-B84E-4FC9-B97B-13637DBD8058}"/>
+                <a16:creationId xmlns:a16="http://schemas.microsoft.com/office/drawing/2014/main" xmlns="" id="{4227DAF2-B84E-4FC9-B97B-13637DBD8058}"/>
               </a:ext>
             </a:extLst>
           </p:cNvPr>
@@ -11171,7 +11171,7 @@
           <p:cNvPr id="2" name="表格 1">
             <a:extLst>
               <a:ext uri="{FF2B5EF4-FFF2-40B4-BE49-F238E27FC236}">
-                <a16:creationId xmlns="" xmlns:a16="http://schemas.microsoft.com/office/drawing/2014/main" id="{4D6AEDAD-FA33-4F39-AFB8-25AB25E0C260}"/>
+                <a16:creationId xmlns:a16="http://schemas.microsoft.com/office/drawing/2014/main" xmlns="" id="{4D6AEDAD-FA33-4F39-AFB8-25AB25E0C260}"/>
               </a:ext>
             </a:extLst>
           </p:cNvPr>
@@ -11181,7 +11181,7 @@
           <p:nvPr>
             <p:extLst>
               <p:ext uri="{D42A27DB-BD31-4B8C-83A1-F6EECF244321}">
-                <p14:modId xmlns:p14="http://schemas.microsoft.com/office/powerpoint/2010/main" val="573759743"/>
+                <p14:modId xmlns:p14="http://schemas.microsoft.com/office/powerpoint/2010/main" val="3923708443"/>
               </p:ext>
             </p:extLst>
           </p:nvPr>
@@ -11200,28 +11200,28 @@
                 <a:gridCol w="1509857">
                   <a:extLst>
                     <a:ext uri="{9D8B030D-6E8A-4147-A177-3AD203B41FA5}">
-                      <a16:colId xmlns="" xmlns:a16="http://schemas.microsoft.com/office/drawing/2014/main" val="2770439234"/>
+                      <a16:colId xmlns:a16="http://schemas.microsoft.com/office/drawing/2014/main" xmlns="" val="2770439234"/>
                     </a:ext>
                   </a:extLst>
                 </a:gridCol>
                 <a:gridCol w="1390650">
                   <a:extLst>
                     <a:ext uri="{9D8B030D-6E8A-4147-A177-3AD203B41FA5}">
-                      <a16:colId xmlns="" xmlns:a16="http://schemas.microsoft.com/office/drawing/2014/main" val="59100135"/>
+                      <a16:colId xmlns:a16="http://schemas.microsoft.com/office/drawing/2014/main" xmlns="" val="59100135"/>
                     </a:ext>
                   </a:extLst>
                 </a:gridCol>
                 <a:gridCol w="857250">
                   <a:extLst>
                     <a:ext uri="{9D8B030D-6E8A-4147-A177-3AD203B41FA5}">
-                      <a16:colId xmlns="" xmlns:a16="http://schemas.microsoft.com/office/drawing/2014/main" val="2875971456"/>
+                      <a16:colId xmlns:a16="http://schemas.microsoft.com/office/drawing/2014/main" xmlns="" val="2875971456"/>
                     </a:ext>
                   </a:extLst>
                 </a:gridCol>
                 <a:gridCol w="771526">
                   <a:extLst>
                     <a:ext uri="{9D8B030D-6E8A-4147-A177-3AD203B41FA5}">
-                      <a16:colId xmlns="" xmlns:a16="http://schemas.microsoft.com/office/drawing/2014/main" val="1804162338"/>
+                      <a16:colId xmlns:a16="http://schemas.microsoft.com/office/drawing/2014/main" xmlns="" val="1804162338"/>
                     </a:ext>
                   </a:extLst>
                 </a:gridCol>
@@ -11312,7 +11312,7 @@
                 </a:tc>
                 <a:extLst>
                   <a:ext uri="{0D108BD9-81ED-4DB2-BD59-A6C34878D82A}">
-                    <a16:rowId xmlns="" xmlns:a16="http://schemas.microsoft.com/office/drawing/2014/main" val="469968404"/>
+                    <a16:rowId xmlns:a16="http://schemas.microsoft.com/office/drawing/2014/main" xmlns="" val="469968404"/>
                   </a:ext>
                 </a:extLst>
               </a:tr>
@@ -11354,8 +11354,8 @@
                     <a:p>
                       <a:pPr algn="l"/>
                       <a:r>
-                        <a:rPr lang="en-US" altLang="zh-TW" sz="1000" dirty="0"/>
-                        <a:t>1G</a:t>
+                        <a:rPr lang="en-US" altLang="zh-TW" sz="1000" dirty="0" smtClean="0"/>
+                        <a:t>-</a:t>
                       </a:r>
                       <a:endParaRPr lang="zh-TW" altLang="en-US" sz="1000" dirty="0"/>
                     </a:p>
@@ -11375,7 +11375,7 @@
                 </a:tc>
                 <a:extLst>
                   <a:ext uri="{0D108BD9-81ED-4DB2-BD59-A6C34878D82A}">
-                    <a16:rowId xmlns="" xmlns:a16="http://schemas.microsoft.com/office/drawing/2014/main" val="1906958081"/>
+                    <a16:rowId xmlns:a16="http://schemas.microsoft.com/office/drawing/2014/main" xmlns="" val="1906958081"/>
                   </a:ext>
                 </a:extLst>
               </a:tr>
@@ -11422,7 +11422,7 @@
                       <a:pPr algn="l"/>
                       <a:r>
                         <a:rPr lang="en-US" altLang="zh-TW" sz="1000" dirty="0"/>
-                        <a:t>2</a:t>
+                        <a:t>4</a:t>
                       </a:r>
                       <a:r>
                         <a:rPr lang="en-US" altLang="zh-TW" sz="1000" dirty="0" smtClean="0"/>
@@ -11446,7 +11446,7 @@
                 </a:tc>
                 <a:extLst>
                   <a:ext uri="{0D108BD9-81ED-4DB2-BD59-A6C34878D82A}">
-                    <a16:rowId xmlns="" xmlns:a16="http://schemas.microsoft.com/office/drawing/2014/main" val="2888471196"/>
+                    <a16:rowId xmlns:a16="http://schemas.microsoft.com/office/drawing/2014/main" xmlns="" val="2888471196"/>
                   </a:ext>
                 </a:extLst>
               </a:tr>
@@ -11489,7 +11489,7 @@
                       <a:pPr algn="l"/>
                       <a:r>
                         <a:rPr lang="en-US" altLang="zh-TW" sz="1000" dirty="0" smtClean="0"/>
-                        <a:t>1G</a:t>
+                        <a:t>-</a:t>
                       </a:r>
                       <a:endParaRPr lang="zh-TW" altLang="en-US" sz="1000" dirty="0"/>
                     </a:p>
@@ -11571,7 +11571,7 @@
                 </a:tc>
                 <a:extLst>
                   <a:ext uri="{0D108BD9-81ED-4DB2-BD59-A6C34878D82A}">
-                    <a16:rowId xmlns="" xmlns:a16="http://schemas.microsoft.com/office/drawing/2014/main" val="3305098242"/>
+                    <a16:rowId xmlns:a16="http://schemas.microsoft.com/office/drawing/2014/main" xmlns="" val="3305098242"/>
                   </a:ext>
                 </a:extLst>
               </a:tr>
@@ -11634,7 +11634,7 @@
                 </a:tc>
                 <a:extLst>
                   <a:ext uri="{0D108BD9-81ED-4DB2-BD59-A6C34878D82A}">
-                    <a16:rowId xmlns="" xmlns:a16="http://schemas.microsoft.com/office/drawing/2014/main" val="812987983"/>
+                    <a16:rowId xmlns:a16="http://schemas.microsoft.com/office/drawing/2014/main" xmlns="" val="812987983"/>
                   </a:ext>
                 </a:extLst>
               </a:tr>
@@ -11701,7 +11701,7 @@
                 </a:tc>
                 <a:extLst>
                   <a:ext uri="{0D108BD9-81ED-4DB2-BD59-A6C34878D82A}">
-                    <a16:rowId xmlns="" xmlns:a16="http://schemas.microsoft.com/office/drawing/2014/main" val="2530708922"/>
+                    <a16:rowId xmlns:a16="http://schemas.microsoft.com/office/drawing/2014/main" xmlns="" val="2530708922"/>
                   </a:ext>
                 </a:extLst>
               </a:tr>
@@ -11763,7 +11763,7 @@
                       <a:pPr algn="l"/>
                       <a:r>
                         <a:rPr lang="en-US" altLang="zh-TW" sz="1000" dirty="0" smtClean="0"/>
-                        <a:t>128G</a:t>
+                        <a:t>10G</a:t>
                       </a:r>
                       <a:endParaRPr lang="zh-TW" altLang="en-US" sz="1000" dirty="0"/>
                     </a:p>
@@ -11772,7 +11772,7 @@
                 </a:tc>
                 <a:extLst>
                   <a:ext uri="{0D108BD9-81ED-4DB2-BD59-A6C34878D82A}">
-                    <a16:rowId xmlns="" xmlns:a16="http://schemas.microsoft.com/office/drawing/2014/main" val="3230359394"/>
+                    <a16:rowId xmlns:a16="http://schemas.microsoft.com/office/drawing/2014/main" xmlns="" val="3230359394"/>
                   </a:ext>
                 </a:extLst>
               </a:tr>
@@ -11847,7 +11847,7 @@
                 </a:tc>
                 <a:extLst>
                   <a:ext uri="{0D108BD9-81ED-4DB2-BD59-A6C34878D82A}">
-                    <a16:rowId xmlns="" xmlns:a16="http://schemas.microsoft.com/office/drawing/2014/main" val="1948580317"/>
+                    <a16:rowId xmlns:a16="http://schemas.microsoft.com/office/drawing/2014/main" xmlns="" val="1948580317"/>
                   </a:ext>
                 </a:extLst>
               </a:tr>
@@ -11914,7 +11914,7 @@
                 </a:tc>
                 <a:extLst>
                   <a:ext uri="{0D108BD9-81ED-4DB2-BD59-A6C34878D82A}">
-                    <a16:rowId xmlns="" xmlns:a16="http://schemas.microsoft.com/office/drawing/2014/main" val="3298908375"/>
+                    <a16:rowId xmlns:a16="http://schemas.microsoft.com/office/drawing/2014/main" xmlns="" val="3298908375"/>
                   </a:ext>
                 </a:extLst>
               </a:tr>
@@ -11977,7 +11977,7 @@
                 </a:tc>
                 <a:extLst>
                   <a:ext uri="{0D108BD9-81ED-4DB2-BD59-A6C34878D82A}">
-                    <a16:rowId xmlns="" xmlns:a16="http://schemas.microsoft.com/office/drawing/2014/main" val="2355527214"/>
+                    <a16:rowId xmlns:a16="http://schemas.microsoft.com/office/drawing/2014/main" xmlns="" val="2355527214"/>
                   </a:ext>
                 </a:extLst>
               </a:tr>
@@ -12020,7 +12020,7 @@
                       <a:pPr algn="l"/>
                       <a:r>
                         <a:rPr lang="en-US" altLang="zh-TW" sz="1000" dirty="0" smtClean="0"/>
-                        <a:t>0.512G</a:t>
+                        <a:t>0.256G</a:t>
                       </a:r>
                       <a:endParaRPr lang="zh-TW" altLang="en-US" sz="1000" dirty="0"/>
                     </a:p>
@@ -12040,7 +12040,7 @@
                 </a:tc>
                 <a:extLst>
                   <a:ext uri="{0D108BD9-81ED-4DB2-BD59-A6C34878D82A}">
-                    <a16:rowId xmlns="" xmlns:a16="http://schemas.microsoft.com/office/drawing/2014/main" val="2316060241"/>
+                    <a16:rowId xmlns:a16="http://schemas.microsoft.com/office/drawing/2014/main" xmlns="" val="2316060241"/>
                   </a:ext>
                 </a:extLst>
               </a:tr>
@@ -12233,7 +12233,7 @@
                 </a:tc>
                 <a:extLst>
                   <a:ext uri="{0D108BD9-81ED-4DB2-BD59-A6C34878D82A}">
-                    <a16:rowId xmlns="" xmlns:a16="http://schemas.microsoft.com/office/drawing/2014/main" val="2640943990"/>
+                    <a16:rowId xmlns:a16="http://schemas.microsoft.com/office/drawing/2014/main" xmlns="" val="2640943990"/>
                   </a:ext>
                 </a:extLst>
               </a:tr>
@@ -12246,7 +12246,7 @@
           <p:cNvPr id="21559" name="內容版面配置區 1">
             <a:extLst>
               <a:ext uri="{FF2B5EF4-FFF2-40B4-BE49-F238E27FC236}">
-                <a16:creationId xmlns="" xmlns:a16="http://schemas.microsoft.com/office/drawing/2014/main" id="{001BB27F-4F08-49B7-99EB-6C0240C1F2CA}"/>
+                <a16:creationId xmlns:a16="http://schemas.microsoft.com/office/drawing/2014/main" xmlns="" id="{001BB27F-4F08-49B7-99EB-6C0240C1F2CA}"/>
               </a:ext>
             </a:extLst>
           </p:cNvPr>
@@ -12316,25 +12316,16 @@
           </a:p>
           <a:p>
             <a:r>
-              <a:rPr lang="en-US" altLang="zh-TW" sz="1800" dirty="0"/>
-              <a:t>Memory Usage</a:t>
+              <a:rPr lang="en-US" altLang="zh-TW" sz="1800" dirty="0" smtClean="0"/>
+              <a:t>Memory</a:t>
             </a:r>
           </a:p>
           <a:p>
             <a:pPr lvl="1"/>
             <a:r>
-              <a:rPr lang="en-US" altLang="zh-TW" sz="1400" b="1" dirty="0" smtClean="0">
-                <a:solidFill>
-                  <a:srgbClr val="C00000"/>
-                </a:solidFill>
-              </a:rPr>
-              <a:t>25G</a:t>
-            </a:r>
-            <a:r>
-              <a:rPr lang="en-US" altLang="zh-TW" sz="1400" dirty="0" smtClean="0"/>
-              <a:t>/32G</a:t>
-            </a:r>
-            <a:endParaRPr lang="en-US" altLang="zh-TW" sz="1400" dirty="0"/>
+              <a:rPr lang="en-US" altLang="zh-TW" sz="1400" b="1" dirty="0" smtClean="0"/>
+              <a:t>32G</a:t>
+            </a:r>
           </a:p>
           <a:p>
             <a:pPr lvl="1"/>
@@ -12342,15 +12333,16 @@
           </a:p>
           <a:p>
             <a:r>
-              <a:rPr lang="en-US" altLang="zh-TW" sz="1800" dirty="0"/>
-              <a:t>Storage Usage</a:t>
-            </a:r>
+              <a:rPr lang="en-US" altLang="zh-TW" sz="1800" dirty="0" smtClean="0"/>
+              <a:t>Storage</a:t>
+            </a:r>
+            <a:endParaRPr lang="en-US" altLang="zh-TW" sz="1800" dirty="0"/>
           </a:p>
           <a:p>
             <a:pPr lvl="1"/>
             <a:r>
               <a:rPr lang="en-US" altLang="zh-TW" sz="1400" b="1" dirty="0" smtClean="0"/>
-              <a:t>2T/10T</a:t>
+              <a:t>2T</a:t>
             </a:r>
             <a:endParaRPr lang="en-US" altLang="zh-TW" sz="1400" dirty="0"/>
           </a:p>
@@ -12393,7 +12385,7 @@
           <p:cNvPr id="3" name="標題 2">
             <a:extLst>
               <a:ext uri="{FF2B5EF4-FFF2-40B4-BE49-F238E27FC236}">
-                <a16:creationId xmlns="" xmlns:a16="http://schemas.microsoft.com/office/drawing/2014/main" id="{4227DAF2-B84E-4FC9-B97B-13637DBD8058}"/>
+                <a16:creationId xmlns:a16="http://schemas.microsoft.com/office/drawing/2014/main" xmlns="" id="{4227DAF2-B84E-4FC9-B97B-13637DBD8058}"/>
               </a:ext>
             </a:extLst>
           </p:cNvPr>
@@ -12440,7 +12432,7 @@
           <p:cNvPr id="22531" name="內容版面配置區 1">
             <a:extLst>
               <a:ext uri="{FF2B5EF4-FFF2-40B4-BE49-F238E27FC236}">
-                <a16:creationId xmlns="" xmlns:a16="http://schemas.microsoft.com/office/drawing/2014/main" id="{71F07E35-F159-41AF-BE0E-EFD1509EF31A}"/>
+                <a16:creationId xmlns:a16="http://schemas.microsoft.com/office/drawing/2014/main" xmlns="" id="{71F07E35-F159-41AF-BE0E-EFD1509EF31A}"/>
               </a:ext>
             </a:extLst>
           </p:cNvPr>
@@ -12591,7 +12583,7 @@
           <p:cNvPr id="33" name="Shape 2700">
             <a:extLst>
               <a:ext uri="{FF2B5EF4-FFF2-40B4-BE49-F238E27FC236}">
-                <a16:creationId xmlns="" xmlns:a16="http://schemas.microsoft.com/office/drawing/2014/main" id="{7BCD65BE-099A-421F-8439-D853A3E789F4}"/>
+                <a16:creationId xmlns:a16="http://schemas.microsoft.com/office/drawing/2014/main" xmlns="" id="{7BCD65BE-099A-421F-8439-D853A3E789F4}"/>
               </a:ext>
             </a:extLst>
           </p:cNvPr>
@@ -12654,7 +12646,7 @@
           <p:cNvPr id="34" name="Shape 2701">
             <a:extLst>
               <a:ext uri="{FF2B5EF4-FFF2-40B4-BE49-F238E27FC236}">
-                <a16:creationId xmlns="" xmlns:a16="http://schemas.microsoft.com/office/drawing/2014/main" id="{A972FB5D-ACDC-4855-9658-9ABA73264CBD}"/>
+                <a16:creationId xmlns:a16="http://schemas.microsoft.com/office/drawing/2014/main" xmlns="" id="{A972FB5D-ACDC-4855-9658-9ABA73264CBD}"/>
               </a:ext>
             </a:extLst>
           </p:cNvPr>
@@ -12710,7 +12702,7 @@
           <p:cNvPr id="35" name="Shape 2707">
             <a:extLst>
               <a:ext uri="{FF2B5EF4-FFF2-40B4-BE49-F238E27FC236}">
-                <a16:creationId xmlns="" xmlns:a16="http://schemas.microsoft.com/office/drawing/2014/main" id="{6FAAEDB0-8013-4EC4-8718-7D8FFC3A1543}"/>
+                <a16:creationId xmlns:a16="http://schemas.microsoft.com/office/drawing/2014/main" xmlns="" id="{6FAAEDB0-8013-4EC4-8718-7D8FFC3A1543}"/>
               </a:ext>
             </a:extLst>
           </p:cNvPr>
@@ -12762,7 +12754,7 @@
           <p:cNvPr id="43" name="TextBox 42">
             <a:extLst>
               <a:ext uri="{FF2B5EF4-FFF2-40B4-BE49-F238E27FC236}">
-                <a16:creationId xmlns="" xmlns:a16="http://schemas.microsoft.com/office/drawing/2014/main" id="{7E3585CC-DD39-4E45-B1BC-C1EDFFE00AF9}"/>
+                <a16:creationId xmlns:a16="http://schemas.microsoft.com/office/drawing/2014/main" xmlns="" id="{7E3585CC-DD39-4E45-B1BC-C1EDFFE00AF9}"/>
               </a:ext>
             </a:extLst>
           </p:cNvPr>
@@ -12815,7 +12807,7 @@
           <p:cNvPr id="44" name="矩形 7">
             <a:extLst>
               <a:ext uri="{FF2B5EF4-FFF2-40B4-BE49-F238E27FC236}">
-                <a16:creationId xmlns="" xmlns:a16="http://schemas.microsoft.com/office/drawing/2014/main" id="{40A673EB-420C-4AA0-BDF9-7367CA04045B}"/>
+                <a16:creationId xmlns:a16="http://schemas.microsoft.com/office/drawing/2014/main" xmlns="" id="{40A673EB-420C-4AA0-BDF9-7367CA04045B}"/>
               </a:ext>
             </a:extLst>
           </p:cNvPr>
@@ -12901,7 +12893,7 @@
           <p:cNvPr id="50" name="Group 49">
             <a:extLst>
               <a:ext uri="{FF2B5EF4-FFF2-40B4-BE49-F238E27FC236}">
-                <a16:creationId xmlns="" xmlns:a16="http://schemas.microsoft.com/office/drawing/2014/main" id="{1927BD14-9F84-48B2-B44B-2BBA360B4202}"/>
+                <a16:creationId xmlns:a16="http://schemas.microsoft.com/office/drawing/2014/main" xmlns="" id="{1927BD14-9F84-48B2-B44B-2BBA360B4202}"/>
               </a:ext>
             </a:extLst>
           </p:cNvPr>
@@ -12921,7 +12913,7 @@
             <p:cNvPr id="51" name="直線單箭頭接點 119">
               <a:extLst>
                 <a:ext uri="{FF2B5EF4-FFF2-40B4-BE49-F238E27FC236}">
-                  <a16:creationId xmlns="" xmlns:a16="http://schemas.microsoft.com/office/drawing/2014/main" id="{6E55404F-0E34-46A2-ADCD-CAC766161459}"/>
+                  <a16:creationId xmlns:a16="http://schemas.microsoft.com/office/drawing/2014/main" xmlns="" id="{6E55404F-0E34-46A2-ADCD-CAC766161459}"/>
                 </a:ext>
               </a:extLst>
             </p:cNvPr>
@@ -12965,7 +12957,7 @@
             <p:cNvPr id="52" name="直線單箭頭接點 120">
               <a:extLst>
                 <a:ext uri="{FF2B5EF4-FFF2-40B4-BE49-F238E27FC236}">
-                  <a16:creationId xmlns="" xmlns:a16="http://schemas.microsoft.com/office/drawing/2014/main" id="{4CBBB3B5-2E3F-42ED-84A3-9E193824B141}"/>
+                  <a16:creationId xmlns:a16="http://schemas.microsoft.com/office/drawing/2014/main" xmlns="" id="{4CBBB3B5-2E3F-42ED-84A3-9E193824B141}"/>
                 </a:ext>
               </a:extLst>
             </p:cNvPr>
@@ -13009,7 +13001,7 @@
             <p:cNvPr id="53" name="直線單箭頭接點 121">
               <a:extLst>
                 <a:ext uri="{FF2B5EF4-FFF2-40B4-BE49-F238E27FC236}">
-                  <a16:creationId xmlns="" xmlns:a16="http://schemas.microsoft.com/office/drawing/2014/main" id="{8B86896F-1A5C-49D0-AB92-0A4C500F0881}"/>
+                  <a16:creationId xmlns:a16="http://schemas.microsoft.com/office/drawing/2014/main" xmlns="" id="{8B86896F-1A5C-49D0-AB92-0A4C500F0881}"/>
                 </a:ext>
               </a:extLst>
             </p:cNvPr>
@@ -13053,7 +13045,7 @@
             <p:cNvPr id="54" name="直線單箭頭接點 122">
               <a:extLst>
                 <a:ext uri="{FF2B5EF4-FFF2-40B4-BE49-F238E27FC236}">
-                  <a16:creationId xmlns="" xmlns:a16="http://schemas.microsoft.com/office/drawing/2014/main" id="{D6F8C7AF-8F2D-4054-B76E-F697947FB6F4}"/>
+                  <a16:creationId xmlns:a16="http://schemas.microsoft.com/office/drawing/2014/main" xmlns="" id="{D6F8C7AF-8F2D-4054-B76E-F697947FB6F4}"/>
                 </a:ext>
               </a:extLst>
             </p:cNvPr>
@@ -13098,7 +13090,7 @@
           <p:cNvPr id="56" name="Rectangle: Rounded Corners 55">
             <a:extLst>
               <a:ext uri="{FF2B5EF4-FFF2-40B4-BE49-F238E27FC236}">
-                <a16:creationId xmlns="" xmlns:a16="http://schemas.microsoft.com/office/drawing/2014/main" id="{035D86CE-E769-4B94-8DEA-0D552DA23296}"/>
+                <a16:creationId xmlns:a16="http://schemas.microsoft.com/office/drawing/2014/main" xmlns="" id="{035D86CE-E769-4B94-8DEA-0D552DA23296}"/>
               </a:ext>
             </a:extLst>
           </p:cNvPr>
@@ -13171,7 +13163,7 @@
           <p:cNvPr id="63" name="TextBox 62">
             <a:extLst>
               <a:ext uri="{FF2B5EF4-FFF2-40B4-BE49-F238E27FC236}">
-                <a16:creationId xmlns="" xmlns:a16="http://schemas.microsoft.com/office/drawing/2014/main" id="{1B097AD5-EBF2-4100-A5CF-AAE727ACFEF5}"/>
+                <a16:creationId xmlns:a16="http://schemas.microsoft.com/office/drawing/2014/main" xmlns="" id="{1B097AD5-EBF2-4100-A5CF-AAE727ACFEF5}"/>
               </a:ext>
             </a:extLst>
           </p:cNvPr>
@@ -13236,7 +13228,7 @@
           <p:cNvPr id="39" name="Shape 2710">
             <a:extLst>
               <a:ext uri="{FF2B5EF4-FFF2-40B4-BE49-F238E27FC236}">
-                <a16:creationId xmlns="" xmlns:a16="http://schemas.microsoft.com/office/drawing/2014/main" id="{DAF4F0C5-296A-4CF2-B2C0-0A636F6CFDAF}"/>
+                <a16:creationId xmlns:a16="http://schemas.microsoft.com/office/drawing/2014/main" xmlns="" id="{DAF4F0C5-296A-4CF2-B2C0-0A636F6CFDAF}"/>
               </a:ext>
             </a:extLst>
           </p:cNvPr>
@@ -13256,7 +13248,7 @@
           </a:ln>
           <a:extLst>
             <a:ext uri="{C572A759-6A51-4108-AA02-DFA0A04FC94B}">
-              <ma14:wrappingTextBoxFlag xmlns:ma14="http://schemas.microsoft.com/office/mac/drawingml/2011/main" xmlns="" val="1"/>
+              <ma14:wrappingTextBoxFlag xmlns="" xmlns:ma14="http://schemas.microsoft.com/office/mac/drawingml/2011/main" val="1"/>
             </a:ext>
           </a:extLst>
         </p:spPr>
@@ -13407,7 +13399,7 @@
           <p:cNvPr id="23" name="Shape 2710">
             <a:extLst>
               <a:ext uri="{FF2B5EF4-FFF2-40B4-BE49-F238E27FC236}">
-                <a16:creationId xmlns="" xmlns:a16="http://schemas.microsoft.com/office/drawing/2014/main" id="{DAF4F0C5-296A-4CF2-B2C0-0A636F6CFDAF}"/>
+                <a16:creationId xmlns:a16="http://schemas.microsoft.com/office/drawing/2014/main" xmlns="" id="{DAF4F0C5-296A-4CF2-B2C0-0A636F6CFDAF}"/>
               </a:ext>
             </a:extLst>
           </p:cNvPr>
@@ -13427,7 +13419,7 @@
           </a:ln>
           <a:extLst>
             <a:ext uri="{C572A759-6A51-4108-AA02-DFA0A04FC94B}">
-              <ma14:wrappingTextBoxFlag xmlns:ma14="http://schemas.microsoft.com/office/mac/drawingml/2011/main" xmlns="" val="1"/>
+              <ma14:wrappingTextBoxFlag xmlns="" xmlns:ma14="http://schemas.microsoft.com/office/mac/drawingml/2011/main" val="1"/>
             </a:ext>
           </a:extLst>
         </p:spPr>
@@ -13472,7 +13464,7 @@
           <p:cNvPr id="24" name="Shape 2710">
             <a:extLst>
               <a:ext uri="{FF2B5EF4-FFF2-40B4-BE49-F238E27FC236}">
-                <a16:creationId xmlns="" xmlns:a16="http://schemas.microsoft.com/office/drawing/2014/main" id="{DAF4F0C5-296A-4CF2-B2C0-0A636F6CFDAF}"/>
+                <a16:creationId xmlns:a16="http://schemas.microsoft.com/office/drawing/2014/main" xmlns="" id="{DAF4F0C5-296A-4CF2-B2C0-0A636F6CFDAF}"/>
               </a:ext>
             </a:extLst>
           </p:cNvPr>
@@ -13492,7 +13484,7 @@
           </a:ln>
           <a:extLst>
             <a:ext uri="{C572A759-6A51-4108-AA02-DFA0A04FC94B}">
-              <ma14:wrappingTextBoxFlag xmlns:ma14="http://schemas.microsoft.com/office/mac/drawingml/2011/main" xmlns="" val="1"/>
+              <ma14:wrappingTextBoxFlag xmlns="" xmlns:ma14="http://schemas.microsoft.com/office/mac/drawingml/2011/main" val="1"/>
             </a:ext>
           </a:extLst>
         </p:spPr>
@@ -13585,7 +13577,7 @@
           <p:cNvPr id="25" name="Shape 2710">
             <a:extLst>
               <a:ext uri="{FF2B5EF4-FFF2-40B4-BE49-F238E27FC236}">
-                <a16:creationId xmlns="" xmlns:a16="http://schemas.microsoft.com/office/drawing/2014/main" id="{DAF4F0C5-296A-4CF2-B2C0-0A636F6CFDAF}"/>
+                <a16:creationId xmlns:a16="http://schemas.microsoft.com/office/drawing/2014/main" xmlns="" id="{DAF4F0C5-296A-4CF2-B2C0-0A636F6CFDAF}"/>
               </a:ext>
             </a:extLst>
           </p:cNvPr>
@@ -13605,7 +13597,7 @@
           </a:ln>
           <a:extLst>
             <a:ext uri="{C572A759-6A51-4108-AA02-DFA0A04FC94B}">
-              <ma14:wrappingTextBoxFlag xmlns:ma14="http://schemas.microsoft.com/office/mac/drawingml/2011/main" xmlns="" val="1"/>
+              <ma14:wrappingTextBoxFlag xmlns="" xmlns:ma14="http://schemas.microsoft.com/office/mac/drawingml/2011/main" val="1"/>
             </a:ext>
           </a:extLst>
         </p:spPr>
@@ -13777,7 +13769,7 @@
           <p:cNvPr id="3" name="標題 2">
             <a:extLst>
               <a:ext uri="{FF2B5EF4-FFF2-40B4-BE49-F238E27FC236}">
-                <a16:creationId xmlns="" xmlns:a16="http://schemas.microsoft.com/office/drawing/2014/main" id="{4227DAF2-B84E-4FC9-B97B-13637DBD8058}"/>
+                <a16:creationId xmlns:a16="http://schemas.microsoft.com/office/drawing/2014/main" xmlns="" id="{4227DAF2-B84E-4FC9-B97B-13637DBD8058}"/>
               </a:ext>
             </a:extLst>
           </p:cNvPr>
@@ -13830,7 +13822,7 @@
           <p:cNvPr id="41" name="表格 40">
             <a:extLst>
               <a:ext uri="{FF2B5EF4-FFF2-40B4-BE49-F238E27FC236}">
-                <a16:creationId xmlns="" xmlns:a16="http://schemas.microsoft.com/office/drawing/2014/main" id="{922ADD79-42D7-4F5E-8A8E-A1502258A383}"/>
+                <a16:creationId xmlns:a16="http://schemas.microsoft.com/office/drawing/2014/main" xmlns="" id="{922ADD79-42D7-4F5E-8A8E-A1502258A383}"/>
               </a:ext>
             </a:extLst>
           </p:cNvPr>
@@ -13857,35 +13849,35 @@
                 <a:gridCol w="981080">
                   <a:extLst>
                     <a:ext uri="{9D8B030D-6E8A-4147-A177-3AD203B41FA5}">
-                      <a16:colId xmlns="" xmlns:a16="http://schemas.microsoft.com/office/drawing/2014/main" val="20000"/>
+                      <a16:colId xmlns:a16="http://schemas.microsoft.com/office/drawing/2014/main" xmlns="" val="20000"/>
                     </a:ext>
                   </a:extLst>
                 </a:gridCol>
                 <a:gridCol w="2682335">
                   <a:extLst>
                     <a:ext uri="{9D8B030D-6E8A-4147-A177-3AD203B41FA5}">
-                      <a16:colId xmlns="" xmlns:a16="http://schemas.microsoft.com/office/drawing/2014/main" val="20001"/>
+                      <a16:colId xmlns:a16="http://schemas.microsoft.com/office/drawing/2014/main" xmlns="" val="20001"/>
                     </a:ext>
                   </a:extLst>
                 </a:gridCol>
                 <a:gridCol w="954389">
                   <a:extLst>
                     <a:ext uri="{9D8B030D-6E8A-4147-A177-3AD203B41FA5}">
-                      <a16:colId xmlns="" xmlns:a16="http://schemas.microsoft.com/office/drawing/2014/main" val="20002"/>
+                      <a16:colId xmlns:a16="http://schemas.microsoft.com/office/drawing/2014/main" xmlns="" val="20002"/>
                     </a:ext>
                   </a:extLst>
                 </a:gridCol>
                 <a:gridCol w="1154516">
                   <a:extLst>
                     <a:ext uri="{9D8B030D-6E8A-4147-A177-3AD203B41FA5}">
-                      <a16:colId xmlns="" xmlns:a16="http://schemas.microsoft.com/office/drawing/2014/main" val="20003"/>
+                      <a16:colId xmlns:a16="http://schemas.microsoft.com/office/drawing/2014/main" xmlns="" val="20003"/>
                     </a:ext>
                   </a:extLst>
                 </a:gridCol>
                 <a:gridCol w="1064259">
                   <a:extLst>
                     <a:ext uri="{9D8B030D-6E8A-4147-A177-3AD203B41FA5}">
-                      <a16:colId xmlns="" xmlns:a16="http://schemas.microsoft.com/office/drawing/2014/main" val="20004"/>
+                      <a16:colId xmlns:a16="http://schemas.microsoft.com/office/drawing/2014/main" xmlns="" val="20004"/>
                     </a:ext>
                   </a:extLst>
                 </a:gridCol>
@@ -15006,7 +14998,7 @@
                 </a:tc>
                 <a:extLst>
                   <a:ext uri="{0D108BD9-81ED-4DB2-BD59-A6C34878D82A}">
-                    <a16:rowId xmlns="" xmlns:a16="http://schemas.microsoft.com/office/drawing/2014/main" val="10000"/>
+                    <a16:rowId xmlns:a16="http://schemas.microsoft.com/office/drawing/2014/main" xmlns="" val="10000"/>
                   </a:ext>
                 </a:extLst>
               </a:tr>
@@ -16174,7 +16166,7 @@
                 </a:tc>
                 <a:extLst>
                   <a:ext uri="{0D108BD9-81ED-4DB2-BD59-A6C34878D82A}">
-                    <a16:rowId xmlns="" xmlns:a16="http://schemas.microsoft.com/office/drawing/2014/main" val="10001"/>
+                    <a16:rowId xmlns:a16="http://schemas.microsoft.com/office/drawing/2014/main" xmlns="" val="10001"/>
                   </a:ext>
                 </a:extLst>
               </a:tr>
@@ -17430,7 +17422,7 @@
                 </a:tc>
                 <a:extLst>
                   <a:ext uri="{0D108BD9-81ED-4DB2-BD59-A6C34878D82A}">
-                    <a16:rowId xmlns="" xmlns:a16="http://schemas.microsoft.com/office/drawing/2014/main" val="10002"/>
+                    <a16:rowId xmlns:a16="http://schemas.microsoft.com/office/drawing/2014/main" xmlns="" val="10002"/>
                   </a:ext>
                 </a:extLst>
               </a:tr>
@@ -18637,7 +18629,7 @@
                 </a:tc>
                 <a:extLst>
                   <a:ext uri="{0D108BD9-81ED-4DB2-BD59-A6C34878D82A}">
-                    <a16:rowId xmlns="" xmlns:a16="http://schemas.microsoft.com/office/drawing/2014/main" val="10003"/>
+                    <a16:rowId xmlns:a16="http://schemas.microsoft.com/office/drawing/2014/main" xmlns="" val="10003"/>
                   </a:ext>
                 </a:extLst>
               </a:tr>
@@ -18650,7 +18642,7 @@
           <p:cNvPr id="23587" name="群組 41">
             <a:extLst>
               <a:ext uri="{FF2B5EF4-FFF2-40B4-BE49-F238E27FC236}">
-                <a16:creationId xmlns="" xmlns:a16="http://schemas.microsoft.com/office/drawing/2014/main" id="{7F2B0191-01A0-479B-82AC-899D03E495D3}"/>
+                <a16:creationId xmlns:a16="http://schemas.microsoft.com/office/drawing/2014/main" xmlns="" id="{7F2B0191-01A0-479B-82AC-899D03E495D3}"/>
               </a:ext>
             </a:extLst>
           </p:cNvPr>
@@ -18672,7 +18664,7 @@
             <p:cNvPr id="43" name="Picture 4" descr="ç¸éåç">
               <a:extLst>
                 <a:ext uri="{FF2B5EF4-FFF2-40B4-BE49-F238E27FC236}">
-                  <a16:creationId xmlns="" xmlns:a16="http://schemas.microsoft.com/office/drawing/2014/main" id="{DF3AB7AD-BD4A-4D19-BB04-464DAB648FE6}"/>
+                  <a16:creationId xmlns:a16="http://schemas.microsoft.com/office/drawing/2014/main" xmlns="" id="{DF3AB7AD-BD4A-4D19-BB04-464DAB648FE6}"/>
                 </a:ext>
               </a:extLst>
             </p:cNvPr>
@@ -18726,7 +18718,7 @@
             <p:cNvPr id="44" name="文字方塊 43">
               <a:extLst>
                 <a:ext uri="{FF2B5EF4-FFF2-40B4-BE49-F238E27FC236}">
-                  <a16:creationId xmlns="" xmlns:a16="http://schemas.microsoft.com/office/drawing/2014/main" id="{4AF51BF5-AAE3-4A4F-84D4-FA0DE47A6502}"/>
+                  <a16:creationId xmlns:a16="http://schemas.microsoft.com/office/drawing/2014/main" xmlns="" id="{4AF51BF5-AAE3-4A4F-84D4-FA0DE47A6502}"/>
                 </a:ext>
               </a:extLst>
             </p:cNvPr>
@@ -18784,7 +18776,7 @@
           <p:cNvPr id="23588" name="群組 44">
             <a:extLst>
               <a:ext uri="{FF2B5EF4-FFF2-40B4-BE49-F238E27FC236}">
-                <a16:creationId xmlns="" xmlns:a16="http://schemas.microsoft.com/office/drawing/2014/main" id="{638747B0-0EB3-471D-8926-DD26E0ACB1D8}"/>
+                <a16:creationId xmlns:a16="http://schemas.microsoft.com/office/drawing/2014/main" xmlns="" id="{638747B0-0EB3-471D-8926-DD26E0ACB1D8}"/>
               </a:ext>
             </a:extLst>
           </p:cNvPr>
@@ -18806,7 +18798,7 @@
             <p:cNvPr id="23597" name="Picture 4" descr="ç¸éåç">
               <a:extLst>
                 <a:ext uri="{FF2B5EF4-FFF2-40B4-BE49-F238E27FC236}">
-                  <a16:creationId xmlns="" xmlns:a16="http://schemas.microsoft.com/office/drawing/2014/main" id="{15CBB71E-C748-41A7-9A06-E620B839FAB3}"/>
+                  <a16:creationId xmlns:a16="http://schemas.microsoft.com/office/drawing/2014/main" xmlns="" id="{15CBB71E-C748-41A7-9A06-E620B839FAB3}"/>
                 </a:ext>
               </a:extLst>
             </p:cNvPr>
@@ -18866,7 +18858,7 @@
             <p:cNvPr id="23598" name="文字方塊 46">
               <a:extLst>
                 <a:ext uri="{FF2B5EF4-FFF2-40B4-BE49-F238E27FC236}">
-                  <a16:creationId xmlns="" xmlns:a16="http://schemas.microsoft.com/office/drawing/2014/main" id="{181C0C32-AC6B-4FDA-9F82-00E2C890983C}"/>
+                  <a16:creationId xmlns:a16="http://schemas.microsoft.com/office/drawing/2014/main" xmlns="" id="{181C0C32-AC6B-4FDA-9F82-00E2C890983C}"/>
                 </a:ext>
               </a:extLst>
             </p:cNvPr>
@@ -19044,7 +19036,7 @@
           <p:cNvPr id="23589" name="群組 47">
             <a:extLst>
               <a:ext uri="{FF2B5EF4-FFF2-40B4-BE49-F238E27FC236}">
-                <a16:creationId xmlns="" xmlns:a16="http://schemas.microsoft.com/office/drawing/2014/main" id="{DF7813CD-5F51-4F0C-A377-BD290D97C38F}"/>
+                <a16:creationId xmlns:a16="http://schemas.microsoft.com/office/drawing/2014/main" xmlns="" id="{DF7813CD-5F51-4F0C-A377-BD290D97C38F}"/>
               </a:ext>
             </a:extLst>
           </p:cNvPr>
@@ -19066,7 +19058,7 @@
             <p:cNvPr id="49" name="Picture 4" descr="ç¸éåç">
               <a:extLst>
                 <a:ext uri="{FF2B5EF4-FFF2-40B4-BE49-F238E27FC236}">
-                  <a16:creationId xmlns="" xmlns:a16="http://schemas.microsoft.com/office/drawing/2014/main" id="{CE09CE95-C926-4D3C-BC87-548AF10AF960}"/>
+                  <a16:creationId xmlns:a16="http://schemas.microsoft.com/office/drawing/2014/main" xmlns="" id="{CE09CE95-C926-4D3C-BC87-548AF10AF960}"/>
                 </a:ext>
               </a:extLst>
             </p:cNvPr>
@@ -19120,7 +19112,7 @@
             <p:cNvPr id="50" name="Picture 4" descr="ç¸éåç">
               <a:extLst>
                 <a:ext uri="{FF2B5EF4-FFF2-40B4-BE49-F238E27FC236}">
-                  <a16:creationId xmlns="" xmlns:a16="http://schemas.microsoft.com/office/drawing/2014/main" id="{054E9AB6-5211-4EF6-8C98-663F34A76021}"/>
+                  <a16:creationId xmlns:a16="http://schemas.microsoft.com/office/drawing/2014/main" xmlns="" id="{054E9AB6-5211-4EF6-8C98-663F34A76021}"/>
                 </a:ext>
               </a:extLst>
             </p:cNvPr>
@@ -19174,7 +19166,7 @@
             <p:cNvPr id="51" name="Picture 4" descr="ç¸éåç">
               <a:extLst>
                 <a:ext uri="{FF2B5EF4-FFF2-40B4-BE49-F238E27FC236}">
-                  <a16:creationId xmlns="" xmlns:a16="http://schemas.microsoft.com/office/drawing/2014/main" id="{EEA31654-86FB-4D75-A6BE-D62272237480}"/>
+                  <a16:creationId xmlns:a16="http://schemas.microsoft.com/office/drawing/2014/main" xmlns="" id="{EEA31654-86FB-4D75-A6BE-D62272237480}"/>
                 </a:ext>
               </a:extLst>
             </p:cNvPr>
@@ -19228,7 +19220,7 @@
             <p:cNvPr id="52" name="文字方塊 51">
               <a:extLst>
                 <a:ext uri="{FF2B5EF4-FFF2-40B4-BE49-F238E27FC236}">
-                  <a16:creationId xmlns="" xmlns:a16="http://schemas.microsoft.com/office/drawing/2014/main" id="{06BA4392-DE0F-457B-ACE8-EDDC8C2917A4}"/>
+                  <a16:creationId xmlns:a16="http://schemas.microsoft.com/office/drawing/2014/main" xmlns="" id="{06BA4392-DE0F-457B-ACE8-EDDC8C2917A4}"/>
                 </a:ext>
               </a:extLst>
             </p:cNvPr>
@@ -19285,7 +19277,7 @@
             <p:cNvPr id="53" name="文字方塊 52">
               <a:extLst>
                 <a:ext uri="{FF2B5EF4-FFF2-40B4-BE49-F238E27FC236}">
-                  <a16:creationId xmlns="" xmlns:a16="http://schemas.microsoft.com/office/drawing/2014/main" id="{5960EAF7-AF31-45F8-8053-CCFBF47744B5}"/>
+                  <a16:creationId xmlns:a16="http://schemas.microsoft.com/office/drawing/2014/main" xmlns="" id="{5960EAF7-AF31-45F8-8053-CCFBF47744B5}"/>
                 </a:ext>
               </a:extLst>
             </p:cNvPr>
@@ -19342,7 +19334,7 @@
             <p:cNvPr id="54" name="文字方塊 53">
               <a:extLst>
                 <a:ext uri="{FF2B5EF4-FFF2-40B4-BE49-F238E27FC236}">
-                  <a16:creationId xmlns="" xmlns:a16="http://schemas.microsoft.com/office/drawing/2014/main" id="{41A99D9B-465F-4EBA-B353-061EDD427AD3}"/>
+                  <a16:creationId xmlns:a16="http://schemas.microsoft.com/office/drawing/2014/main" xmlns="" id="{41A99D9B-465F-4EBA-B353-061EDD427AD3}"/>
                 </a:ext>
               </a:extLst>
             </p:cNvPr>
@@ -19400,7 +19392,7 @@
           <p:cNvPr id="23590" name="文字方塊 54">
             <a:extLst>
               <a:ext uri="{FF2B5EF4-FFF2-40B4-BE49-F238E27FC236}">
-                <a16:creationId xmlns="" xmlns:a16="http://schemas.microsoft.com/office/drawing/2014/main" id="{C27040CE-603E-4A82-AD42-7398483FD476}"/>
+                <a16:creationId xmlns:a16="http://schemas.microsoft.com/office/drawing/2014/main" xmlns="" id="{C27040CE-603E-4A82-AD42-7398483FD476}"/>
               </a:ext>
             </a:extLst>
           </p:cNvPr>
@@ -20156,7 +20148,7 @@
           <p:cNvPr id="27650" name="文字方塊 2">
             <a:extLst>
               <a:ext uri="{FF2B5EF4-FFF2-40B4-BE49-F238E27FC236}">
-                <a16:creationId xmlns="" xmlns:a16="http://schemas.microsoft.com/office/drawing/2014/main" id="{9AC43630-41C7-41A2-BDAB-5794F82C20F4}"/>
+                <a16:creationId xmlns:a16="http://schemas.microsoft.com/office/drawing/2014/main" xmlns="" id="{9AC43630-41C7-41A2-BDAB-5794F82C20F4}"/>
               </a:ext>
             </a:extLst>
           </p:cNvPr>
